--- a/presentations/security/gaards-handout-sc2007.pptx
+++ b/presentations/security/gaards-handout-sc2007.pptx
@@ -6,6 +6,7 @@
   </p:sldMasterIdLst>
   <p:sldIdLst>
     <p:sldId id="256" r:id="rId2"/>
+    <p:sldId id="257" r:id="rId3"/>
   </p:sldIdLst>
   <p:sldSz cx="7772400" cy="10058400"/>
   <p:notesSz cx="6858000" cy="9144000"/>
@@ -289,7 +290,7 @@
             <a:fld id="{2998F5AA-1CF3-462C-963B-BA66B68436C5}" type="datetimeFigureOut">
               <a:rPr lang="en-US" smtClean="0"/>
               <a:pPr/>
-              <a:t>11/5/2007</a:t>
+              <a:t>11/6/2007</a:t>
             </a:fld>
             <a:endParaRPr lang="en-US"/>
           </a:p>
@@ -456,7 +457,7 @@
             <a:fld id="{2998F5AA-1CF3-462C-963B-BA66B68436C5}" type="datetimeFigureOut">
               <a:rPr lang="en-US" smtClean="0"/>
               <a:pPr/>
-              <a:t>11/5/2007</a:t>
+              <a:t>11/6/2007</a:t>
             </a:fld>
             <a:endParaRPr lang="en-US"/>
           </a:p>
@@ -633,7 +634,7 @@
             <a:fld id="{2998F5AA-1CF3-462C-963B-BA66B68436C5}" type="datetimeFigureOut">
               <a:rPr lang="en-US" smtClean="0"/>
               <a:pPr/>
-              <a:t>11/5/2007</a:t>
+              <a:t>11/6/2007</a:t>
             </a:fld>
             <a:endParaRPr lang="en-US"/>
           </a:p>
@@ -800,7 +801,7 @@
             <a:fld id="{2998F5AA-1CF3-462C-963B-BA66B68436C5}" type="datetimeFigureOut">
               <a:rPr lang="en-US" smtClean="0"/>
               <a:pPr/>
-              <a:t>11/5/2007</a:t>
+              <a:t>11/6/2007</a:t>
             </a:fld>
             <a:endParaRPr lang="en-US"/>
           </a:p>
@@ -1043,7 +1044,7 @@
             <a:fld id="{2998F5AA-1CF3-462C-963B-BA66B68436C5}" type="datetimeFigureOut">
               <a:rPr lang="en-US" smtClean="0"/>
               <a:pPr/>
-              <a:t>11/5/2007</a:t>
+              <a:t>11/6/2007</a:t>
             </a:fld>
             <a:endParaRPr lang="en-US"/>
           </a:p>
@@ -1328,7 +1329,7 @@
             <a:fld id="{2998F5AA-1CF3-462C-963B-BA66B68436C5}" type="datetimeFigureOut">
               <a:rPr lang="en-US" smtClean="0"/>
               <a:pPr/>
-              <a:t>11/5/2007</a:t>
+              <a:t>11/6/2007</a:t>
             </a:fld>
             <a:endParaRPr lang="en-US"/>
           </a:p>
@@ -1747,7 +1748,7 @@
             <a:fld id="{2998F5AA-1CF3-462C-963B-BA66B68436C5}" type="datetimeFigureOut">
               <a:rPr lang="en-US" smtClean="0"/>
               <a:pPr/>
-              <a:t>11/5/2007</a:t>
+              <a:t>11/6/2007</a:t>
             </a:fld>
             <a:endParaRPr lang="en-US"/>
           </a:p>
@@ -1862,7 +1863,7 @@
             <a:fld id="{2998F5AA-1CF3-462C-963B-BA66B68436C5}" type="datetimeFigureOut">
               <a:rPr lang="en-US" smtClean="0"/>
               <a:pPr/>
-              <a:t>11/5/2007</a:t>
+              <a:t>11/6/2007</a:t>
             </a:fld>
             <a:endParaRPr lang="en-US"/>
           </a:p>
@@ -1954,7 +1955,7 @@
             <a:fld id="{2998F5AA-1CF3-462C-963B-BA66B68436C5}" type="datetimeFigureOut">
               <a:rPr lang="en-US" smtClean="0"/>
               <a:pPr/>
-              <a:t>11/5/2007</a:t>
+              <a:t>11/6/2007</a:t>
             </a:fld>
             <a:endParaRPr lang="en-US"/>
           </a:p>
@@ -2228,7 +2229,7 @@
             <a:fld id="{2998F5AA-1CF3-462C-963B-BA66B68436C5}" type="datetimeFigureOut">
               <a:rPr lang="en-US" smtClean="0"/>
               <a:pPr/>
-              <a:t>11/5/2007</a:t>
+              <a:t>11/6/2007</a:t>
             </a:fld>
             <a:endParaRPr lang="en-US"/>
           </a:p>
@@ -2478,7 +2479,7 @@
             <a:fld id="{2998F5AA-1CF3-462C-963B-BA66B68436C5}" type="datetimeFigureOut">
               <a:rPr lang="en-US" smtClean="0"/>
               <a:pPr/>
-              <a:t>11/5/2007</a:t>
+              <a:t>11/6/2007</a:t>
             </a:fld>
             <a:endParaRPr lang="en-US"/>
           </a:p>
@@ -2688,7 +2689,7 @@
             <a:fld id="{2998F5AA-1CF3-462C-963B-BA66B68436C5}" type="datetimeFigureOut">
               <a:rPr lang="en-US" smtClean="0"/>
               <a:pPr/>
-              <a:t>11/5/2007</a:t>
+              <a:t>11/6/2007</a:t>
             </a:fld>
             <a:endParaRPr lang="en-US"/>
           </a:p>
@@ -3068,6 +3069,910 @@
           <p:nvPr/>
         </p:nvPicPr>
         <p:blipFill>
+          <a:blip r:embed="rId2" cstate="print"/>
+          <a:srcRect/>
+          <a:stretch>
+            <a:fillRect/>
+          </a:stretch>
+        </p:blipFill>
+        <p:spPr bwMode="auto">
+          <a:xfrm>
+            <a:off x="0" y="0"/>
+            <a:ext cx="7772400" cy="974725"/>
+          </a:xfrm>
+          <a:prstGeom prst="rect">
+            <a:avLst/>
+          </a:prstGeom>
+          <a:noFill/>
+          <a:ln w="9525">
+            <a:noFill/>
+            <a:miter lim="800000"/>
+            <a:headEnd/>
+            <a:tailEnd/>
+          </a:ln>
+          <a:effectLst/>
+        </p:spPr>
+      </p:pic>
+      <p:sp>
+        <p:nvSpPr>
+          <p:cNvPr id="5" name="TextBox 4"/>
+          <p:cNvSpPr txBox="1"/>
+          <p:nvPr/>
+        </p:nvSpPr>
+        <p:spPr>
+          <a:xfrm>
+            <a:off x="3276600" y="76200"/>
+            <a:ext cx="4495800" cy="800219"/>
+          </a:xfrm>
+          <a:prstGeom prst="rect">
+            <a:avLst/>
+          </a:prstGeom>
+          <a:noFill/>
+        </p:spPr>
+        <p:txBody>
+          <a:bodyPr wrap="square" rtlCol="0">
+            <a:spAutoFit/>
+          </a:bodyPr>
+          <a:lstStyle/>
+          <a:p>
+            <a:pPr algn="r"/>
+            <a:r>
+              <a:rPr lang="en-US" sz="2800" b="1" dirty="0" smtClean="0">
+                <a:solidFill>
+                  <a:schemeClr val="bg1"/>
+                </a:solidFill>
+                <a:latin typeface="Tahoma" pitchFamily="34" charset="0"/>
+                <a:ea typeface="Tahoma" pitchFamily="34" charset="0"/>
+                <a:cs typeface="Tahoma" pitchFamily="34" charset="0"/>
+              </a:rPr>
+              <a:t>Enterprise Grid Security</a:t>
+            </a:r>
+          </a:p>
+          <a:p>
+            <a:pPr algn="r"/>
+            <a:r>
+              <a:rPr lang="en-US" b="1" dirty="0" smtClean="0">
+                <a:solidFill>
+                  <a:schemeClr val="bg1"/>
+                </a:solidFill>
+                <a:latin typeface="Tahoma" pitchFamily="34" charset="0"/>
+                <a:ea typeface="Tahoma" pitchFamily="34" charset="0"/>
+                <a:cs typeface="Tahoma" pitchFamily="34" charset="0"/>
+              </a:rPr>
+              <a:t>http://www.gaards.org</a:t>
+            </a:r>
+            <a:endParaRPr lang="en-US" b="1" dirty="0">
+              <a:solidFill>
+                <a:schemeClr val="bg1"/>
+              </a:solidFill>
+              <a:latin typeface="Tahoma" pitchFamily="34" charset="0"/>
+              <a:ea typeface="Tahoma" pitchFamily="34" charset="0"/>
+              <a:cs typeface="Tahoma" pitchFamily="34" charset="0"/>
+            </a:endParaRPr>
+          </a:p>
+        </p:txBody>
+      </p:sp>
+      <p:sp>
+        <p:nvSpPr>
+          <p:cNvPr id="6" name="TextBox 5"/>
+          <p:cNvSpPr txBox="1"/>
+          <p:nvPr/>
+        </p:nvSpPr>
+        <p:spPr>
+          <a:xfrm>
+            <a:off x="0" y="972979"/>
+            <a:ext cx="7630615" cy="276999"/>
+          </a:xfrm>
+          <a:prstGeom prst="rect">
+            <a:avLst/>
+          </a:prstGeom>
+          <a:noFill/>
+        </p:spPr>
+        <p:txBody>
+          <a:bodyPr wrap="square" rtlCol="0">
+            <a:spAutoFit/>
+          </a:bodyPr>
+          <a:lstStyle/>
+          <a:p>
+            <a:r>
+              <a:rPr lang="en-US" sz="1200" b="1" dirty="0" smtClean="0">
+                <a:solidFill>
+                  <a:srgbClr val="C00000"/>
+                </a:solidFill>
+                <a:latin typeface="Calibri" pitchFamily="34" charset="0"/>
+              </a:rPr>
+              <a:t>Stephen Langella, Scott Oster, Shannon Hastings, David Ervin, Joshua </a:t>
+            </a:r>
+            <a:r>
+              <a:rPr lang="en-US" sz="1200" b="1" dirty="0" smtClean="0">
+                <a:solidFill>
+                  <a:srgbClr val="C00000"/>
+                </a:solidFill>
+                <a:latin typeface="Calibri" pitchFamily="34" charset="0"/>
+              </a:rPr>
+              <a:t>Phillips, Justin Permar, Tahsin </a:t>
+            </a:r>
+            <a:r>
+              <a:rPr lang="en-US" sz="1200" b="1" dirty="0" smtClean="0">
+                <a:solidFill>
+                  <a:srgbClr val="C00000"/>
+                </a:solidFill>
+                <a:latin typeface="Calibri" pitchFamily="34" charset="0"/>
+              </a:rPr>
+              <a:t>Kurc, Joel Saltz.</a:t>
+            </a:r>
+          </a:p>
+        </p:txBody>
+      </p:sp>
+      <p:pic>
+        <p:nvPicPr>
+          <p:cNvPr id="7" name="Picture 6" descr="gaards.jpg"/>
+          <p:cNvPicPr>
+            <a:picLocks noChangeAspect="1"/>
+          </p:cNvPicPr>
+          <p:nvPr/>
+        </p:nvPicPr>
+        <p:blipFill>
+          <a:blip r:embed="rId3"/>
+          <a:stretch>
+            <a:fillRect/>
+          </a:stretch>
+        </p:blipFill>
+        <p:spPr>
+          <a:xfrm>
+            <a:off x="1" y="4038600"/>
+            <a:ext cx="3810000" cy="2698082"/>
+          </a:xfrm>
+          <a:prstGeom prst="rect">
+            <a:avLst/>
+          </a:prstGeom>
+        </p:spPr>
+      </p:pic>
+      <p:pic>
+        <p:nvPicPr>
+          <p:cNvPr id="9" name="Picture 2"/>
+          <p:cNvPicPr>
+            <a:picLocks noChangeAspect="1" noChangeArrowheads="1"/>
+          </p:cNvPicPr>
+          <p:nvPr/>
+        </p:nvPicPr>
+        <p:blipFill>
+          <a:blip r:embed="rId4" cstate="print"/>
+          <a:srcRect/>
+          <a:stretch>
+            <a:fillRect/>
+          </a:stretch>
+        </p:blipFill>
+        <p:spPr bwMode="auto">
+          <a:xfrm>
+            <a:off x="0" y="9574213"/>
+            <a:ext cx="7772400" cy="484187"/>
+          </a:xfrm>
+          <a:prstGeom prst="rect">
+            <a:avLst/>
+          </a:prstGeom>
+          <a:noFill/>
+          <a:ln w="9525">
+            <a:noFill/>
+            <a:miter lim="800000"/>
+            <a:headEnd/>
+            <a:tailEnd/>
+          </a:ln>
+          <a:effectLst/>
+        </p:spPr>
+      </p:pic>
+      <p:sp>
+        <p:nvSpPr>
+          <p:cNvPr id="22" name="TextBox 21"/>
+          <p:cNvSpPr txBox="1"/>
+          <p:nvPr/>
+        </p:nvSpPr>
+        <p:spPr>
+          <a:xfrm>
+            <a:off x="0" y="1447801"/>
+            <a:ext cx="7772400" cy="8077200"/>
+          </a:xfrm>
+          <a:prstGeom prst="rect">
+            <a:avLst/>
+          </a:prstGeom>
+          <a:noFill/>
+        </p:spPr>
+        <p:txBody>
+          <a:bodyPr wrap="square" numCol="2" spcCol="182880" rtlCol="0">
+            <a:spAutoFit/>
+          </a:bodyPr>
+          <a:lstStyle/>
+          <a:p>
+            <a:pPr algn="just"/>
+            <a:r>
+              <a:rPr lang="en-US" sz="1200" dirty="0" smtClean="0">
+                <a:solidFill>
+                  <a:srgbClr val="000000"/>
+                </a:solidFill>
+              </a:rPr>
+              <a:t>The GAARDS Security Infrastructure provides services and tools for the administration and enforcement of security policy in an enterprise Grid.  GAARDS was developed on top of the </a:t>
+            </a:r>
+            <a:r>
+              <a:rPr lang="en-US" sz="1200" dirty="0" err="1" smtClean="0">
+                <a:solidFill>
+                  <a:srgbClr val="000000"/>
+                </a:solidFill>
+              </a:rPr>
+              <a:t>Globus</a:t>
+            </a:r>
+            <a:r>
+              <a:rPr lang="en-US" sz="1200" dirty="0" smtClean="0">
+                <a:solidFill>
+                  <a:srgbClr val="000000"/>
+                </a:solidFill>
+              </a:rPr>
+              <a:t> Toolkit and extends it to provide enterprise services and administrative tools for: 1) grid user management, 2) identity federation, 3) trust management, 4) group/VO management 5) Access Control Policy management and enforcement, and 5) Integration between existing security domains and the grid security domain.  GAARDS services can be used individually or grouped together to meet the authentication and authorization needs for Grids. </a:t>
+            </a:r>
+            <a:r>
+              <a:rPr lang="en-US" sz="1200" dirty="0" smtClean="0"/>
+              <a:t>GAARDS comprises three principal components: Dorian, Grid Trust Service, and Grid Grouper.</a:t>
+            </a:r>
+          </a:p>
+          <a:p>
+            <a:pPr algn="ctr"/>
+            <a:endParaRPr lang="en-US" sz="1400" b="1" dirty="0" smtClean="0">
+              <a:solidFill>
+                <a:srgbClr val="C00000"/>
+              </a:solidFill>
+            </a:endParaRPr>
+          </a:p>
+          <a:p>
+            <a:pPr algn="ctr"/>
+            <a:endParaRPr lang="en-US" sz="1400" b="1" dirty="0" smtClean="0">
+              <a:solidFill>
+                <a:srgbClr val="C00000"/>
+              </a:solidFill>
+            </a:endParaRPr>
+          </a:p>
+          <a:p>
+            <a:pPr algn="ctr"/>
+            <a:endParaRPr lang="en-US" sz="1400" b="1" dirty="0" smtClean="0">
+              <a:solidFill>
+                <a:srgbClr val="C00000"/>
+              </a:solidFill>
+            </a:endParaRPr>
+          </a:p>
+          <a:p>
+            <a:pPr algn="ctr"/>
+            <a:endParaRPr lang="en-US" sz="1400" b="1" dirty="0" smtClean="0">
+              <a:solidFill>
+                <a:srgbClr val="C00000"/>
+              </a:solidFill>
+            </a:endParaRPr>
+          </a:p>
+          <a:p>
+            <a:pPr algn="ctr"/>
+            <a:endParaRPr lang="en-US" sz="1400" b="1" dirty="0" smtClean="0">
+              <a:solidFill>
+                <a:srgbClr val="C00000"/>
+              </a:solidFill>
+            </a:endParaRPr>
+          </a:p>
+          <a:p>
+            <a:pPr algn="ctr"/>
+            <a:endParaRPr lang="en-US" sz="1400" b="1" dirty="0" smtClean="0">
+              <a:solidFill>
+                <a:srgbClr val="C00000"/>
+              </a:solidFill>
+            </a:endParaRPr>
+          </a:p>
+          <a:p>
+            <a:pPr algn="ctr"/>
+            <a:endParaRPr lang="en-US" sz="1400" b="1" dirty="0" smtClean="0">
+              <a:solidFill>
+                <a:srgbClr val="C00000"/>
+              </a:solidFill>
+            </a:endParaRPr>
+          </a:p>
+          <a:p>
+            <a:pPr algn="ctr"/>
+            <a:endParaRPr lang="en-US" sz="1400" b="1" dirty="0" smtClean="0">
+              <a:solidFill>
+                <a:srgbClr val="C00000"/>
+              </a:solidFill>
+            </a:endParaRPr>
+          </a:p>
+          <a:p>
+            <a:pPr algn="ctr"/>
+            <a:endParaRPr lang="en-US" sz="1400" b="1" dirty="0" smtClean="0">
+              <a:solidFill>
+                <a:srgbClr val="C00000"/>
+              </a:solidFill>
+            </a:endParaRPr>
+          </a:p>
+          <a:p>
+            <a:pPr algn="ctr"/>
+            <a:endParaRPr lang="en-US" sz="1400" b="1" dirty="0" smtClean="0">
+              <a:solidFill>
+                <a:srgbClr val="C00000"/>
+              </a:solidFill>
+            </a:endParaRPr>
+          </a:p>
+          <a:p>
+            <a:pPr algn="ctr"/>
+            <a:endParaRPr lang="en-US" sz="1400" b="1" dirty="0" smtClean="0">
+              <a:solidFill>
+                <a:srgbClr val="C00000"/>
+              </a:solidFill>
+            </a:endParaRPr>
+          </a:p>
+          <a:p>
+            <a:pPr algn="ctr"/>
+            <a:endParaRPr lang="en-US" sz="1400" b="1" dirty="0" smtClean="0">
+              <a:solidFill>
+                <a:srgbClr val="C00000"/>
+              </a:solidFill>
+            </a:endParaRPr>
+          </a:p>
+          <a:p>
+            <a:pPr algn="ctr"/>
+            <a:endParaRPr lang="en-US" sz="1400" b="1" dirty="0" smtClean="0">
+              <a:solidFill>
+                <a:srgbClr val="C00000"/>
+              </a:solidFill>
+            </a:endParaRPr>
+          </a:p>
+          <a:p>
+            <a:pPr algn="ctr"/>
+            <a:endParaRPr lang="en-US" sz="1400" b="1" dirty="0" smtClean="0">
+              <a:solidFill>
+                <a:srgbClr val="C00000"/>
+              </a:solidFill>
+            </a:endParaRPr>
+          </a:p>
+          <a:p>
+            <a:pPr algn="ctr"/>
+            <a:r>
+              <a:rPr lang="en-US" sz="1400" b="1" dirty="0" smtClean="0">
+                <a:solidFill>
+                  <a:srgbClr val="C00000"/>
+                </a:solidFill>
+              </a:rPr>
+              <a:t>Dorian</a:t>
+            </a:r>
+          </a:p>
+          <a:p>
+            <a:pPr algn="ctr"/>
+            <a:endParaRPr lang="en-US" sz="1200" dirty="0" smtClean="0"/>
+          </a:p>
+          <a:p>
+            <a:pPr algn="just"/>
+            <a:r>
+              <a:rPr lang="en-US" sz="1200" dirty="0" smtClean="0"/>
+              <a:t>Identity </a:t>
+            </a:r>
+            <a:r>
+              <a:rPr lang="en-US" sz="1200" dirty="0" smtClean="0"/>
+              <a:t>management and federation is becoming an ever-present problem in large multi-institutional Grid environments. One underlying problem is to enable participating institutions to manage the identities of their own members by leveraging existing institutional identity management systems, while at the same time facilitating  the participation in larger Grids </a:t>
+            </a:r>
+            <a:r>
+              <a:rPr lang="en-US" sz="1200" dirty="0" smtClean="0"/>
+              <a:t>through </a:t>
+            </a:r>
+            <a:r>
+              <a:rPr lang="en-US" sz="1200" dirty="0" smtClean="0"/>
+              <a:t>the deployment of </a:t>
+            </a:r>
+            <a:r>
+              <a:rPr lang="en-US" sz="1200" dirty="0" smtClean="0"/>
+              <a:t>Grid-wide </a:t>
+            </a:r>
+            <a:r>
+              <a:rPr lang="en-US" sz="1200" dirty="0" smtClean="0"/>
+              <a:t>user credentials. </a:t>
+            </a:r>
+            <a:r>
+              <a:rPr lang="en-US" sz="1200" dirty="0" smtClean="0"/>
+              <a:t>  Dorian </a:t>
+            </a:r>
+            <a:r>
+              <a:rPr lang="en-US" sz="1200" dirty="0" smtClean="0"/>
+              <a:t>is a Grid service for the provisioning and management of Grid user accounts. Dorian provides an integration point between external security domains and the </a:t>
+            </a:r>
+            <a:r>
+              <a:rPr lang="en-US" sz="1200" dirty="0" smtClean="0"/>
+              <a:t>Grid. </a:t>
+            </a:r>
+          </a:p>
+          <a:p>
+            <a:pPr algn="just"/>
+            <a:endParaRPr lang="en-US" sz="1200" dirty="0" smtClean="0"/>
+          </a:p>
+          <a:p>
+            <a:pPr algn="just"/>
+            <a:endParaRPr lang="en-US" sz="1200" dirty="0" smtClean="0"/>
+          </a:p>
+          <a:p>
+            <a:pPr algn="just"/>
+            <a:endParaRPr lang="en-US" sz="1200" dirty="0" smtClean="0"/>
+          </a:p>
+          <a:p>
+            <a:pPr algn="just"/>
+            <a:endParaRPr lang="en-US" sz="1200" dirty="0" smtClean="0"/>
+          </a:p>
+          <a:p>
+            <a:pPr algn="just"/>
+            <a:endParaRPr lang="en-US" sz="1200" dirty="0" smtClean="0"/>
+          </a:p>
+          <a:p>
+            <a:pPr algn="just"/>
+            <a:endParaRPr lang="en-US" sz="1200" dirty="0" smtClean="0"/>
+          </a:p>
+          <a:p>
+            <a:pPr algn="just"/>
+            <a:endParaRPr lang="en-US" sz="1200" dirty="0" smtClean="0"/>
+          </a:p>
+          <a:p>
+            <a:pPr algn="just"/>
+            <a:endParaRPr lang="en-US" sz="1200" dirty="0" smtClean="0"/>
+          </a:p>
+          <a:p>
+            <a:pPr algn="just"/>
+            <a:endParaRPr lang="en-US" sz="1200" dirty="0" smtClean="0"/>
+          </a:p>
+          <a:p>
+            <a:pPr algn="just"/>
+            <a:endParaRPr lang="en-US" sz="1200" dirty="0" smtClean="0"/>
+          </a:p>
+          <a:p>
+            <a:pPr algn="just"/>
+            <a:endParaRPr lang="en-US" sz="1200" dirty="0" smtClean="0"/>
+          </a:p>
+          <a:p>
+            <a:pPr algn="just"/>
+            <a:endParaRPr lang="en-US" sz="1200" dirty="0" smtClean="0"/>
+          </a:p>
+          <a:p>
+            <a:pPr algn="just"/>
+            <a:endParaRPr lang="en-US" sz="1200" dirty="0" smtClean="0"/>
+          </a:p>
+          <a:p>
+            <a:pPr algn="just"/>
+            <a:endParaRPr lang="en-US" sz="1200" dirty="0" smtClean="0"/>
+          </a:p>
+          <a:p>
+            <a:pPr marL="228600" indent="-228600" defTabSz="3657600">
+              <a:buClr>
+                <a:srgbClr val="C00000"/>
+              </a:buClr>
+            </a:pPr>
+            <a:endParaRPr lang="en-US" sz="1200" b="1" dirty="0" smtClean="0">
+              <a:solidFill>
+                <a:srgbClr val="C00000"/>
+              </a:solidFill>
+              <a:latin typeface="Calibri" pitchFamily="34" charset="0"/>
+            </a:endParaRPr>
+          </a:p>
+          <a:p>
+            <a:pPr marL="228600" indent="-228600" defTabSz="3657600">
+              <a:buClr>
+                <a:srgbClr val="C00000"/>
+              </a:buClr>
+            </a:pPr>
+            <a:r>
+              <a:rPr lang="en-US" sz="1200" b="1" dirty="0" smtClean="0">
+                <a:solidFill>
+                  <a:srgbClr val="C00000"/>
+                </a:solidFill>
+                <a:latin typeface="Calibri" pitchFamily="34" charset="0"/>
+              </a:rPr>
+              <a:t>Dorian </a:t>
+            </a:r>
+            <a:r>
+              <a:rPr lang="en-US" sz="1200" b="1" dirty="0" smtClean="0">
+                <a:solidFill>
+                  <a:srgbClr val="C00000"/>
+                </a:solidFill>
+                <a:latin typeface="Calibri" pitchFamily="34" charset="0"/>
+              </a:rPr>
+              <a:t>Features</a:t>
+            </a:r>
+            <a:endParaRPr lang="en-US" sz="1200" dirty="0" smtClean="0">
+              <a:solidFill>
+                <a:srgbClr val="C00000"/>
+              </a:solidFill>
+              <a:latin typeface="Calibri" pitchFamily="34" charset="0"/>
+            </a:endParaRPr>
+          </a:p>
+          <a:p>
+            <a:pPr marL="228600" indent="-228600" defTabSz="3657600">
+              <a:buClr>
+                <a:srgbClr val="C00000"/>
+              </a:buClr>
+              <a:buFontTx/>
+              <a:buChar char="•"/>
+            </a:pPr>
+            <a:r>
+              <a:rPr lang="en-US" sz="1200" dirty="0" smtClean="0">
+                <a:solidFill>
+                  <a:srgbClr val="070709"/>
+                </a:solidFill>
+                <a:latin typeface="Calibri" pitchFamily="34" charset="0"/>
+              </a:rPr>
+              <a:t>Administrative UI for account administration.</a:t>
+            </a:r>
+          </a:p>
+          <a:p>
+            <a:pPr marL="228600" indent="-228600" defTabSz="3657600">
+              <a:buClr>
+                <a:srgbClr val="C00000"/>
+              </a:buClr>
+              <a:buFontTx/>
+              <a:buChar char="•"/>
+            </a:pPr>
+            <a:r>
+              <a:rPr lang="en-US" sz="1200" dirty="0" smtClean="0">
+                <a:solidFill>
+                  <a:srgbClr val="070709"/>
+                </a:solidFill>
+                <a:latin typeface="Calibri" pitchFamily="34" charset="0"/>
+              </a:rPr>
+              <a:t>Built-in certificate authority.</a:t>
+            </a:r>
+          </a:p>
+          <a:p>
+            <a:pPr marL="228600" indent="-228600" defTabSz="3657600">
+              <a:buClr>
+                <a:srgbClr val="C00000"/>
+              </a:buClr>
+              <a:buFontTx/>
+              <a:buChar char="•"/>
+            </a:pPr>
+            <a:r>
+              <a:rPr lang="en-US" sz="1200" dirty="0" smtClean="0">
+                <a:solidFill>
+                  <a:srgbClr val="070709"/>
+                </a:solidFill>
+                <a:latin typeface="Calibri" pitchFamily="34" charset="0"/>
+              </a:rPr>
+              <a:t>Manages grid credentials for each user.</a:t>
+            </a:r>
+          </a:p>
+          <a:p>
+            <a:pPr marL="228600" indent="-228600" defTabSz="3657600">
+              <a:buClr>
+                <a:srgbClr val="C00000"/>
+              </a:buClr>
+              <a:buFontTx/>
+              <a:buChar char="•"/>
+            </a:pPr>
+            <a:r>
+              <a:rPr lang="en-US" sz="1200" dirty="0" smtClean="0">
+                <a:solidFill>
+                  <a:srgbClr val="070709"/>
+                </a:solidFill>
+                <a:latin typeface="Calibri" pitchFamily="34" charset="0"/>
+              </a:rPr>
+              <a:t>Enables users to authenticate and create grid proxies, which they may use to access the grid.</a:t>
+            </a:r>
+          </a:p>
+          <a:p>
+            <a:pPr marL="228600" indent="-228600" defTabSz="3657600">
+              <a:buClr>
+                <a:srgbClr val="C00000"/>
+              </a:buClr>
+              <a:buFontTx/>
+              <a:buChar char="•"/>
+            </a:pPr>
+            <a:r>
+              <a:rPr lang="en-US" sz="1200" dirty="0" smtClean="0">
+                <a:solidFill>
+                  <a:srgbClr val="070709"/>
+                </a:solidFill>
+                <a:latin typeface="Calibri" pitchFamily="34" charset="0"/>
+              </a:rPr>
+              <a:t>Local account creation and management.</a:t>
+            </a:r>
+          </a:p>
+          <a:p>
+            <a:pPr marL="228600" indent="-228600" defTabSz="3657600">
+              <a:buClr>
+                <a:srgbClr val="C00000"/>
+              </a:buClr>
+              <a:buFontTx/>
+              <a:buChar char="•"/>
+            </a:pPr>
+            <a:r>
+              <a:rPr lang="en-US" sz="1200" dirty="0" smtClean="0">
+                <a:solidFill>
+                  <a:srgbClr val="070709"/>
+                </a:solidFill>
+                <a:latin typeface="Calibri" pitchFamily="34" charset="0"/>
+              </a:rPr>
+              <a:t>Integration point between external security domains and the grid security domain.</a:t>
+            </a:r>
+          </a:p>
+          <a:p>
+            <a:pPr marL="228600" indent="-228600" defTabSz="3657600">
+              <a:buClr>
+                <a:srgbClr val="C00000"/>
+              </a:buClr>
+              <a:buFontTx/>
+              <a:buChar char="•"/>
+            </a:pPr>
+            <a:r>
+              <a:rPr lang="en-US" sz="1200" dirty="0" smtClean="0">
+                <a:solidFill>
+                  <a:srgbClr val="070709"/>
+                </a:solidFill>
+                <a:latin typeface="Calibri" pitchFamily="34" charset="0"/>
+              </a:rPr>
+              <a:t>Existing user credentials can be used to access the grid.</a:t>
+            </a:r>
+          </a:p>
+          <a:p>
+            <a:pPr marL="228600" indent="-228600" defTabSz="3657600">
+              <a:buClr>
+                <a:srgbClr val="C00000"/>
+              </a:buClr>
+              <a:buFontTx/>
+              <a:buChar char="•"/>
+            </a:pPr>
+            <a:r>
+              <a:rPr lang="en-US" sz="1200" dirty="0" smtClean="0">
+                <a:solidFill>
+                  <a:srgbClr val="070709"/>
+                </a:solidFill>
+                <a:latin typeface="Calibri" pitchFamily="34" charset="0"/>
+              </a:rPr>
+              <a:t>Automated account creation and provisioning</a:t>
+            </a:r>
+            <a:r>
+              <a:rPr lang="en-US" sz="1200" dirty="0" smtClean="0">
+                <a:solidFill>
+                  <a:srgbClr val="070709"/>
+                </a:solidFill>
+                <a:latin typeface="Calibri" pitchFamily="34" charset="0"/>
+              </a:rPr>
+              <a:t>.</a:t>
+            </a:r>
+            <a:endParaRPr lang="en-US" sz="1400" b="1" dirty="0" smtClean="0">
+              <a:solidFill>
+                <a:srgbClr val="C00000"/>
+              </a:solidFill>
+            </a:endParaRPr>
+          </a:p>
+          <a:p>
+            <a:pPr indent="-228600" algn="ctr" defTabSz="3657600">
+              <a:buClr>
+                <a:srgbClr val="C00000"/>
+              </a:buClr>
+            </a:pPr>
+            <a:endParaRPr lang="en-US" sz="1400" b="1" dirty="0" smtClean="0">
+              <a:solidFill>
+                <a:srgbClr val="C00000"/>
+              </a:solidFill>
+            </a:endParaRPr>
+          </a:p>
+          <a:p>
+            <a:pPr indent="-228600" algn="ctr" defTabSz="3657600">
+              <a:buClr>
+                <a:srgbClr val="C00000"/>
+              </a:buClr>
+            </a:pPr>
+            <a:r>
+              <a:rPr lang="en-US" sz="1400" b="1" dirty="0" smtClean="0">
+                <a:solidFill>
+                  <a:srgbClr val="C00000"/>
+                </a:solidFill>
+              </a:rPr>
+              <a:t>Grid Trust Service (GTS)</a:t>
+            </a:r>
+            <a:endParaRPr lang="en-US" sz="1400" dirty="0" smtClean="0">
+              <a:solidFill>
+                <a:srgbClr val="070709"/>
+              </a:solidFill>
+            </a:endParaRPr>
+          </a:p>
+          <a:p>
+            <a:pPr indent="-228600" defTabSz="3657600">
+              <a:buClr>
+                <a:srgbClr val="C00000"/>
+              </a:buClr>
+            </a:pPr>
+            <a:endParaRPr lang="en-US" sz="1200" dirty="0" smtClean="0">
+              <a:solidFill>
+                <a:srgbClr val="070709"/>
+              </a:solidFill>
+              <a:latin typeface="Calibri" pitchFamily="34" charset="0"/>
+            </a:endParaRPr>
+          </a:p>
+          <a:p>
+            <a:pPr indent="-228600" defTabSz="3657600">
+              <a:buClr>
+                <a:srgbClr val="C00000"/>
+              </a:buClr>
+            </a:pPr>
+            <a:r>
+              <a:rPr lang="en-US" sz="1200" dirty="0" smtClean="0">
+                <a:solidFill>
+                  <a:srgbClr val="070709"/>
+                </a:solidFill>
+                <a:latin typeface="Calibri" pitchFamily="34" charset="0"/>
+              </a:rPr>
+              <a:t>In </a:t>
+            </a:r>
+            <a:r>
+              <a:rPr lang="en-US" sz="1200" dirty="0" smtClean="0">
+                <a:solidFill>
+                  <a:srgbClr val="070709"/>
+                </a:solidFill>
+                <a:latin typeface="Calibri" pitchFamily="34" charset="0"/>
+              </a:rPr>
+              <a:t>order to authenticate and authorize users and </a:t>
+            </a:r>
+            <a:r>
+              <a:rPr lang="en-US" sz="1200" dirty="0" smtClean="0">
+                <a:solidFill>
+                  <a:srgbClr val="070709"/>
+                </a:solidFill>
+                <a:latin typeface="Calibri" pitchFamily="34" charset="0"/>
+              </a:rPr>
+              <a:t>other services</a:t>
+            </a:r>
+            <a:r>
+              <a:rPr lang="en-US" sz="1200" dirty="0" smtClean="0">
+                <a:solidFill>
+                  <a:srgbClr val="070709"/>
+                </a:solidFill>
+                <a:latin typeface="Calibri" pitchFamily="34" charset="0"/>
+              </a:rPr>
+              <a:t>, Grid services must maintain a list of certificate authorities they trust as a source for issuing credentials. Provisioning trusted certificate authorities and certificate revocation lists to both clients and servers in the Grid is a complicated task. The GTS is a federated Grid infrastructure enabling the provisioning and management of a Grid trust fabric</a:t>
+            </a:r>
+            <a:r>
+              <a:rPr lang="en-US" sz="1200" dirty="0" smtClean="0">
+                <a:solidFill>
+                  <a:srgbClr val="070709"/>
+                </a:solidFill>
+                <a:latin typeface="Calibri" pitchFamily="34" charset="0"/>
+              </a:rPr>
+              <a:t>.</a:t>
+            </a:r>
+          </a:p>
+          <a:p>
+            <a:pPr indent="-228600" defTabSz="3657600">
+              <a:buClr>
+                <a:srgbClr val="C00000"/>
+              </a:buClr>
+            </a:pPr>
+            <a:endParaRPr lang="en-US" sz="1200" dirty="0" smtClean="0">
+              <a:solidFill>
+                <a:srgbClr val="070709"/>
+              </a:solidFill>
+              <a:latin typeface="Calibri" pitchFamily="34" charset="0"/>
+            </a:endParaRPr>
+          </a:p>
+          <a:p>
+            <a:pPr marL="228600" indent="-228600" algn="just" defTabSz="3657600"/>
+            <a:r>
+              <a:rPr lang="en-US" sz="1200" b="1" dirty="0" smtClean="0">
+                <a:solidFill>
+                  <a:srgbClr val="C00000"/>
+                </a:solidFill>
+                <a:latin typeface="Calibri" pitchFamily="34" charset="0"/>
+              </a:rPr>
+              <a:t>GTS Features</a:t>
+            </a:r>
+            <a:endParaRPr lang="en-US" sz="1200" dirty="0" smtClean="0">
+              <a:solidFill>
+                <a:srgbClr val="C00000"/>
+              </a:solidFill>
+              <a:latin typeface="Calibri" pitchFamily="34" charset="0"/>
+            </a:endParaRPr>
+          </a:p>
+          <a:p>
+            <a:pPr marL="228600" indent="-228600" algn="just" defTabSz="3657600">
+              <a:buClr>
+                <a:srgbClr val="C00000"/>
+              </a:buClr>
+              <a:buFontTx/>
+              <a:buChar char="•"/>
+            </a:pPr>
+            <a:r>
+              <a:rPr lang="en-US" sz="1200" dirty="0" smtClean="0">
+                <a:latin typeface="Calibri" pitchFamily="34" charset="0"/>
+              </a:rPr>
+              <a:t>Grid-enabled federated solution for registering, managing, and distributing certificate authority certificates and CRLs, facilitating the enforcement of trust agreements against the latest trusted roots. </a:t>
+            </a:r>
+          </a:p>
+        </p:txBody>
+      </p:sp>
+      <p:pic>
+        <p:nvPicPr>
+          <p:cNvPr id="25" name="Picture 24" descr="dorian.jpg"/>
+          <p:cNvPicPr>
+            <a:picLocks noChangeAspect="1"/>
+          </p:cNvPicPr>
+          <p:nvPr/>
+        </p:nvPicPr>
+        <p:blipFill>
+          <a:blip r:embed="rId5" cstate="print"/>
+          <a:stretch>
+            <a:fillRect/>
+          </a:stretch>
+        </p:blipFill>
+        <p:spPr>
+          <a:xfrm>
+            <a:off x="3962400" y="1447800"/>
+            <a:ext cx="3703848" cy="2514600"/>
+          </a:xfrm>
+          <a:prstGeom prst="rect">
+            <a:avLst/>
+          </a:prstGeom>
+        </p:spPr>
+      </p:pic>
+    </p:spTree>
+  </p:cSld>
+  <p:clrMapOvr>
+    <a:masterClrMapping/>
+  </p:clrMapOvr>
+</p:sld>
+</file>
+
+<file path=ppt/slides/slide2.xml><?xml version="1.0" encoding="utf-8"?>
+<p:sld xmlns:a="http://schemas.openxmlformats.org/drawingml/2006/main" xmlns:r="http://schemas.openxmlformats.org/officeDocument/2006/relationships" xmlns:p="http://schemas.openxmlformats.org/presentationml/2006/main">
+  <p:cSld>
+    <p:spTree>
+      <p:nvGrpSpPr>
+        <p:cNvPr id="1" name=""/>
+        <p:cNvGrpSpPr/>
+        <p:nvPr/>
+      </p:nvGrpSpPr>
+      <p:grpSpPr>
+        <a:xfrm>
+          <a:off x="0" y="0"/>
+          <a:ext cx="0" cy="0"/>
+          <a:chOff x="0" y="0"/>
+          <a:chExt cx="0" cy="0"/>
+        </a:xfrm>
+      </p:grpSpPr>
+      <p:pic>
+        <p:nvPicPr>
+          <p:cNvPr id="9" name="Picture 2"/>
+          <p:cNvPicPr>
+            <a:picLocks noChangeAspect="1" noChangeArrowheads="1"/>
+          </p:cNvPicPr>
+          <p:nvPr/>
+        </p:nvPicPr>
+        <p:blipFill>
+          <a:blip r:embed="rId2" cstate="print"/>
+          <a:srcRect/>
+          <a:stretch>
+            <a:fillRect/>
+          </a:stretch>
+        </p:blipFill>
+        <p:spPr bwMode="auto">
+          <a:xfrm>
+            <a:off x="0" y="9574213"/>
+            <a:ext cx="7772400" cy="484187"/>
+          </a:xfrm>
+          <a:prstGeom prst="rect">
+            <a:avLst/>
+          </a:prstGeom>
+          <a:noFill/>
+          <a:ln w="9525">
+            <a:noFill/>
+            <a:miter lim="800000"/>
+            <a:headEnd/>
+            <a:tailEnd/>
+          </a:ln>
+          <a:effectLst/>
+        </p:spPr>
+      </p:pic>
+      <p:pic>
+        <p:nvPicPr>
+          <p:cNvPr id="10" name="Picture 2"/>
+          <p:cNvPicPr>
+            <a:picLocks noChangeAspect="1" noChangeArrowheads="1"/>
+          </p:cNvPicPr>
+          <p:nvPr/>
+        </p:nvPicPr>
+        <p:blipFill>
           <a:blip r:embed="rId3" cstate="print"/>
           <a:srcRect/>
           <a:stretch>
@@ -3094,14 +3999,14 @@
       </p:pic>
       <p:sp>
         <p:nvSpPr>
-          <p:cNvPr id="4" name="TextBox 3"/>
+          <p:cNvPr id="12" name="TextBox 11"/>
           <p:cNvSpPr txBox="1"/>
           <p:nvPr/>
         </p:nvSpPr>
         <p:spPr>
           <a:xfrm>
-            <a:off x="0" y="1194136"/>
-            <a:ext cx="7620000" cy="863263"/>
+            <a:off x="0" y="990600"/>
+            <a:ext cx="7772400" cy="8534400"/>
           </a:xfrm>
           <a:prstGeom prst="rect">
             <a:avLst/>
@@ -3109,1305 +4014,837 @@
           <a:noFill/>
         </p:spPr>
         <p:txBody>
-          <a:bodyPr wrap="square" rtlCol="0">
+          <a:bodyPr wrap="square" numCol="2" spcCol="182880" rtlCol="0">
             <a:spAutoFit/>
           </a:bodyPr>
           <a:lstStyle/>
           <a:p>
-            <a:pPr defTabSz="3657600"/>
-            <a:r>
-              <a:rPr lang="en-US" sz="1000" dirty="0" smtClean="0">
+            <a:pPr marL="228600" indent="-228600" algn="just" defTabSz="3657600">
+              <a:buClr>
+                <a:srgbClr val="C00000"/>
+              </a:buClr>
+              <a:buFontTx/>
+              <a:buChar char="•"/>
+            </a:pPr>
+            <a:r>
+              <a:rPr lang="en-US" sz="1200" dirty="0" smtClean="0">
+                <a:latin typeface="Calibri" pitchFamily="34" charset="0"/>
+              </a:rPr>
+              <a:t>Allows </a:t>
+            </a:r>
+            <a:r>
+              <a:rPr lang="en-US" sz="1200" dirty="0" smtClean="0">
+                <a:latin typeface="Calibri" pitchFamily="34" charset="0"/>
+              </a:rPr>
+              <a:t>the definition and management of trust levels, such that CAs may be grouped and discovered by the level of trust that is acceptable to the consumer. </a:t>
+            </a:r>
+          </a:p>
+          <a:p>
+            <a:pPr marL="228600" indent="-228600" algn="just" defTabSz="3657600">
+              <a:buClr>
+                <a:srgbClr val="C00000"/>
+              </a:buClr>
+              <a:buFontTx/>
+              <a:buChar char="•"/>
+            </a:pPr>
+            <a:r>
+              <a:rPr lang="en-US" sz="1200" dirty="0" smtClean="0">
+                <a:latin typeface="Calibri" pitchFamily="34" charset="0"/>
+              </a:rPr>
+              <a:t>Facilitates the </a:t>
+            </a:r>
+            <a:r>
+              <a:rPr lang="en-US" sz="1200" dirty="0" err="1" smtClean="0">
+                <a:latin typeface="Calibri" pitchFamily="34" charset="0"/>
+              </a:rPr>
+              <a:t>curation</a:t>
+            </a:r>
+            <a:r>
+              <a:rPr lang="en-US" sz="1200" dirty="0" smtClean="0">
+                <a:latin typeface="Calibri" pitchFamily="34" charset="0"/>
+              </a:rPr>
+              <a:t> of numerous independent trust overlays across the same physical Grid.</a:t>
+            </a:r>
+          </a:p>
+          <a:p>
+            <a:pPr marL="228600" indent="-228600" algn="just" defTabSz="3657600">
+              <a:buClr>
+                <a:srgbClr val="C00000"/>
+              </a:buClr>
+              <a:buFontTx/>
+              <a:buChar char="•"/>
+            </a:pPr>
+            <a:r>
+              <a:rPr lang="en-US" sz="1200" dirty="0" smtClean="0">
+                <a:latin typeface="Calibri" pitchFamily="34" charset="0"/>
+              </a:rPr>
+              <a:t>Validation Service, which allows for the centralized enforcement of certificate verification and validation policies. </a:t>
+            </a:r>
+          </a:p>
+          <a:p>
+            <a:pPr marL="228600" indent="-228600" algn="just" defTabSz="3657600">
+              <a:buClr>
+                <a:srgbClr val="C00000"/>
+              </a:buClr>
+              <a:buFontTx/>
+              <a:buChar char="•"/>
+            </a:pPr>
+            <a:r>
+              <a:rPr lang="en-US" sz="1200" dirty="0" smtClean="0">
+                <a:latin typeface="Calibri" pitchFamily="34" charset="0"/>
+              </a:rPr>
+              <a:t>Administrative UI for administrating the trust fabric</a:t>
+            </a:r>
+            <a:r>
+              <a:rPr lang="en-US" sz="1200" dirty="0" smtClean="0">
+                <a:latin typeface="Calibri" pitchFamily="34" charset="0"/>
+              </a:rPr>
+              <a:t>.</a:t>
+            </a:r>
+          </a:p>
+          <a:p>
+            <a:pPr marL="228600" indent="-228600" algn="ctr" defTabSz="3657600">
+              <a:buClr>
+                <a:srgbClr val="C00000"/>
+              </a:buClr>
+            </a:pPr>
+            <a:endParaRPr lang="en-US" sz="1400" b="1" dirty="0" smtClean="0">
+              <a:solidFill>
+                <a:srgbClr val="C00000"/>
+              </a:solidFill>
+            </a:endParaRPr>
+          </a:p>
+          <a:p>
+            <a:pPr marL="228600" indent="-228600" algn="ctr" defTabSz="3657600">
+              <a:buClr>
+                <a:srgbClr val="C00000"/>
+              </a:buClr>
+            </a:pPr>
+            <a:r>
+              <a:rPr lang="en-US" sz="1400" b="1" dirty="0" smtClean="0">
+                <a:solidFill>
+                  <a:srgbClr val="C00000"/>
+                </a:solidFill>
+              </a:rPr>
+              <a:t>Grid Grouper</a:t>
+            </a:r>
+            <a:endParaRPr lang="en-US" sz="1400" dirty="0" smtClean="0">
+              <a:solidFill>
+                <a:srgbClr val="070709"/>
+              </a:solidFill>
+            </a:endParaRPr>
+          </a:p>
+          <a:p>
+            <a:pPr marL="228600" indent="-228600" algn="just" defTabSz="3657600">
+              <a:buClr>
+                <a:srgbClr val="C00000"/>
+              </a:buClr>
+            </a:pPr>
+            <a:endParaRPr lang="en-US" sz="1200" dirty="0" smtClean="0">
+              <a:latin typeface="Calibri" pitchFamily="34" charset="0"/>
+            </a:endParaRPr>
+          </a:p>
+          <a:p>
+            <a:pPr algn="just" defTabSz="3657600">
+              <a:defRPr/>
+            </a:pPr>
+            <a:r>
+              <a:rPr lang="en-US" sz="1200" dirty="0" smtClean="0">
                 <a:solidFill>
                   <a:srgbClr val="000000"/>
                 </a:solidFill>
                 <a:latin typeface="Calibri" pitchFamily="34" charset="0"/>
               </a:rPr>
-              <a:t>The GAARDS Security Infrastructure provides services and tools for the administration and enforcement of security policy in an enterprise Grid.  GAARDS was developed on top of the </a:t>
-            </a:r>
-            <a:r>
-              <a:rPr lang="en-US" sz="1000" dirty="0" err="1" smtClean="0">
+              <a:t>Grid Grouper provides a group-based authorization solution for the Grid, wherein grid services and applications enforce authorization policy based on membership to groups defined and managed at the grid level.    Grid Grouper is built on top of Grouper,  an Internet2 initiative focused on providing tools for group management.  </a:t>
+            </a:r>
+            <a:endParaRPr lang="en-US" sz="1200" dirty="0" smtClean="0">
+              <a:solidFill>
+                <a:srgbClr val="000000"/>
+              </a:solidFill>
+              <a:latin typeface="Calibri" pitchFamily="34" charset="0"/>
+            </a:endParaRPr>
+          </a:p>
+          <a:p>
+            <a:pPr algn="just" defTabSz="3657600">
+              <a:defRPr/>
+            </a:pPr>
+            <a:endParaRPr lang="en-US" sz="1200" dirty="0" smtClean="0">
+              <a:solidFill>
+                <a:srgbClr val="000000"/>
+              </a:solidFill>
+              <a:latin typeface="Calibri" pitchFamily="34" charset="0"/>
+            </a:endParaRPr>
+          </a:p>
+          <a:p>
+            <a:pPr marL="228600" indent="-228600" defTabSz="3657600">
+              <a:defRPr/>
+            </a:pPr>
+            <a:r>
+              <a:rPr lang="en-US" sz="1200" b="1" dirty="0" smtClean="0">
+                <a:solidFill>
+                  <a:srgbClr val="C00000"/>
+                </a:solidFill>
+                <a:latin typeface="Calibri" pitchFamily="34" charset="0"/>
+              </a:rPr>
+              <a:t>Grid Grouper Features</a:t>
+            </a:r>
+          </a:p>
+          <a:p>
+            <a:pPr marL="228600" indent="-228600" defTabSz="3657600">
+              <a:buClr>
+                <a:srgbClr val="C00000"/>
+              </a:buClr>
+              <a:buFontTx/>
+              <a:buChar char="•"/>
+              <a:defRPr/>
+            </a:pPr>
+            <a:r>
+              <a:rPr lang="en-US" sz="1200" dirty="0" smtClean="0">
+                <a:latin typeface="Calibri" pitchFamily="34" charset="0"/>
+              </a:rPr>
+              <a:t>Web/Grid service for managing/accessing groups.</a:t>
+            </a:r>
+          </a:p>
+          <a:p>
+            <a:pPr marL="228600" indent="-228600" defTabSz="3657600">
+              <a:buClr>
+                <a:srgbClr val="C00000"/>
+              </a:buClr>
+              <a:buFontTx/>
+              <a:buChar char="•"/>
+              <a:defRPr/>
+            </a:pPr>
+            <a:r>
+              <a:rPr lang="en-US" sz="1200" dirty="0" smtClean="0">
+                <a:latin typeface="Calibri" pitchFamily="34" charset="0"/>
+              </a:rPr>
+              <a:t>Basic Group Management.</a:t>
+            </a:r>
+          </a:p>
+          <a:p>
+            <a:pPr marL="228600" indent="-228600" defTabSz="3657600">
+              <a:buClr>
+                <a:srgbClr val="C00000"/>
+              </a:buClr>
+              <a:buFontTx/>
+              <a:buChar char="•"/>
+              <a:defRPr/>
+            </a:pPr>
+            <a:r>
+              <a:rPr lang="en-US" sz="1200" dirty="0" smtClean="0">
+                <a:latin typeface="Calibri" pitchFamily="34" charset="0"/>
+              </a:rPr>
+              <a:t>Support for subgroups.</a:t>
+            </a:r>
+          </a:p>
+          <a:p>
+            <a:pPr marL="228600" indent="-228600" defTabSz="3657600">
+              <a:buClr>
+                <a:srgbClr val="C00000"/>
+              </a:buClr>
+              <a:buFontTx/>
+              <a:buChar char="•"/>
+              <a:defRPr/>
+            </a:pPr>
+            <a:r>
+              <a:rPr lang="en-US" sz="1200" dirty="0" smtClean="0">
+                <a:latin typeface="Calibri" pitchFamily="34" charset="0"/>
+              </a:rPr>
+              <a:t>Support for composite groups (set logic).</a:t>
+            </a:r>
+          </a:p>
+          <a:p>
+            <a:pPr marL="228600" indent="-228600" defTabSz="3657600">
+              <a:buClr>
+                <a:srgbClr val="C00000"/>
+              </a:buClr>
+              <a:buFontTx/>
+              <a:buChar char="•"/>
+              <a:defRPr/>
+            </a:pPr>
+            <a:r>
+              <a:rPr lang="en-US" sz="1200" dirty="0" smtClean="0">
+                <a:latin typeface="Calibri" pitchFamily="34" charset="0"/>
+              </a:rPr>
+              <a:t>Set logic based membership queries.</a:t>
+            </a:r>
+          </a:p>
+          <a:p>
+            <a:pPr marL="228600" indent="-228600" defTabSz="3657600">
+              <a:buClr>
+                <a:srgbClr val="C00000"/>
+              </a:buClr>
+              <a:buFontTx/>
+              <a:buChar char="•"/>
+              <a:defRPr/>
+            </a:pPr>
+            <a:r>
+              <a:rPr lang="en-US" sz="1200" dirty="0" smtClean="0">
+                <a:latin typeface="Calibri" pitchFamily="34" charset="0"/>
+              </a:rPr>
+              <a:t>UI for administering Grid Grouper</a:t>
+            </a:r>
+            <a:r>
+              <a:rPr lang="en-US" sz="1200" dirty="0" smtClean="0">
+                <a:latin typeface="Calibri" pitchFamily="34" charset="0"/>
+              </a:rPr>
+              <a:t>.</a:t>
+            </a:r>
+          </a:p>
+          <a:p>
+            <a:pPr marL="228600" indent="-228600" defTabSz="3657600">
+              <a:buClr>
+                <a:srgbClr val="C00000"/>
+              </a:buClr>
+              <a:buFontTx/>
+              <a:buChar char="•"/>
+              <a:defRPr/>
+            </a:pPr>
+            <a:endParaRPr lang="en-US" sz="1200" dirty="0" smtClean="0">
+              <a:latin typeface="Calibri" pitchFamily="34" charset="0"/>
+            </a:endParaRPr>
+          </a:p>
+          <a:p>
+            <a:pPr marL="228600" indent="-228600" defTabSz="3657600">
+              <a:buClr>
+                <a:srgbClr val="C00000"/>
+              </a:buClr>
+              <a:buFontTx/>
+              <a:buChar char="•"/>
+              <a:defRPr/>
+            </a:pPr>
+            <a:endParaRPr lang="en-US" sz="1200" dirty="0" smtClean="0">
+              <a:latin typeface="Calibri" pitchFamily="34" charset="0"/>
+            </a:endParaRPr>
+          </a:p>
+          <a:p>
+            <a:pPr marL="228600" indent="-228600" defTabSz="3657600">
+              <a:buClr>
+                <a:srgbClr val="C00000"/>
+              </a:buClr>
+              <a:buFontTx/>
+              <a:buChar char="•"/>
+              <a:defRPr/>
+            </a:pPr>
+            <a:endParaRPr lang="en-US" sz="1200" dirty="0" smtClean="0">
+              <a:latin typeface="Calibri" pitchFamily="34" charset="0"/>
+            </a:endParaRPr>
+          </a:p>
+          <a:p>
+            <a:pPr marL="228600" indent="-228600" defTabSz="3657600">
+              <a:buClr>
+                <a:srgbClr val="C00000"/>
+              </a:buClr>
+              <a:defRPr/>
+            </a:pPr>
+            <a:endParaRPr lang="en-US" sz="1200" dirty="0" smtClean="0">
+              <a:latin typeface="Calibri" pitchFamily="34" charset="0"/>
+            </a:endParaRPr>
+          </a:p>
+          <a:p>
+            <a:pPr marL="228600" indent="-228600" defTabSz="3657600">
+              <a:buClr>
+                <a:srgbClr val="C00000"/>
+              </a:buClr>
+              <a:defRPr/>
+            </a:pPr>
+            <a:endParaRPr lang="en-US" sz="1200" dirty="0" smtClean="0">
+              <a:latin typeface="Calibri" pitchFamily="34" charset="0"/>
+            </a:endParaRPr>
+          </a:p>
+          <a:p>
+            <a:pPr marL="228600" indent="-228600" algn="ctr" defTabSz="3657600">
+              <a:buClr>
+                <a:srgbClr val="C00000"/>
+              </a:buClr>
+              <a:defRPr/>
+            </a:pPr>
+            <a:endParaRPr lang="en-US" sz="1400" b="1" dirty="0" smtClean="0">
+              <a:solidFill>
+                <a:srgbClr val="C00000"/>
+              </a:solidFill>
+            </a:endParaRPr>
+          </a:p>
+          <a:p>
+            <a:pPr marL="228600" indent="-228600" algn="ctr" defTabSz="3657600">
+              <a:buClr>
+                <a:srgbClr val="C00000"/>
+              </a:buClr>
+              <a:defRPr/>
+            </a:pPr>
+            <a:endParaRPr lang="en-US" sz="1400" b="1" dirty="0" smtClean="0">
+              <a:solidFill>
+                <a:srgbClr val="C00000"/>
+              </a:solidFill>
+            </a:endParaRPr>
+          </a:p>
+          <a:p>
+            <a:pPr marL="228600" indent="-228600" algn="ctr" defTabSz="3657600">
+              <a:buClr>
+                <a:srgbClr val="C00000"/>
+              </a:buClr>
+              <a:defRPr/>
+            </a:pPr>
+            <a:endParaRPr lang="en-US" sz="1400" b="1" dirty="0" smtClean="0">
+              <a:solidFill>
+                <a:srgbClr val="C00000"/>
+              </a:solidFill>
+            </a:endParaRPr>
+          </a:p>
+          <a:p>
+            <a:pPr marL="228600" indent="-228600" algn="ctr" defTabSz="3657600">
+              <a:buClr>
+                <a:srgbClr val="C00000"/>
+              </a:buClr>
+              <a:defRPr/>
+            </a:pPr>
+            <a:endParaRPr lang="en-US" sz="1400" b="1" dirty="0" smtClean="0">
+              <a:solidFill>
+                <a:srgbClr val="C00000"/>
+              </a:solidFill>
+            </a:endParaRPr>
+          </a:p>
+          <a:p>
+            <a:pPr marL="228600" indent="-228600" algn="ctr" defTabSz="3657600">
+              <a:buClr>
+                <a:srgbClr val="C00000"/>
+              </a:buClr>
+              <a:defRPr/>
+            </a:pPr>
+            <a:endParaRPr lang="en-US" sz="1400" b="1" dirty="0" smtClean="0">
+              <a:solidFill>
+                <a:srgbClr val="C00000"/>
+              </a:solidFill>
+            </a:endParaRPr>
+          </a:p>
+          <a:p>
+            <a:pPr marL="228600" indent="-228600" algn="ctr" defTabSz="3657600">
+              <a:buClr>
+                <a:srgbClr val="C00000"/>
+              </a:buClr>
+              <a:defRPr/>
+            </a:pPr>
+            <a:endParaRPr lang="en-US" sz="1400" b="1" dirty="0" smtClean="0">
+              <a:solidFill>
+                <a:srgbClr val="C00000"/>
+              </a:solidFill>
+            </a:endParaRPr>
+          </a:p>
+          <a:p>
+            <a:pPr marL="228600" indent="-228600" algn="ctr" defTabSz="3657600">
+              <a:buClr>
+                <a:srgbClr val="C00000"/>
+              </a:buClr>
+              <a:defRPr/>
+            </a:pPr>
+            <a:endParaRPr lang="en-US" sz="1400" b="1" dirty="0" smtClean="0">
+              <a:solidFill>
+                <a:srgbClr val="C00000"/>
+              </a:solidFill>
+            </a:endParaRPr>
+          </a:p>
+          <a:p>
+            <a:pPr marL="228600" indent="-228600" algn="ctr" defTabSz="3657600">
+              <a:buClr>
+                <a:srgbClr val="C00000"/>
+              </a:buClr>
+              <a:defRPr/>
+            </a:pPr>
+            <a:endParaRPr lang="en-US" sz="1400" b="1" dirty="0" smtClean="0">
+              <a:solidFill>
+                <a:srgbClr val="C00000"/>
+              </a:solidFill>
+            </a:endParaRPr>
+          </a:p>
+          <a:p>
+            <a:pPr marL="228600" indent="-228600" algn="ctr" defTabSz="3657600">
+              <a:buClr>
+                <a:srgbClr val="C00000"/>
+              </a:buClr>
+              <a:defRPr/>
+            </a:pPr>
+            <a:r>
+              <a:rPr lang="en-US" sz="1400" b="1" dirty="0" smtClean="0">
+                <a:solidFill>
+                  <a:srgbClr val="C00000"/>
+                </a:solidFill>
+              </a:rPr>
+              <a:t>Authentication Service</a:t>
+            </a:r>
+          </a:p>
+          <a:p>
+            <a:pPr marL="228600" indent="-228600" algn="just" defTabSz="3657600">
+              <a:buClr>
+                <a:srgbClr val="C00000"/>
+              </a:buClr>
+              <a:defRPr/>
+            </a:pPr>
+            <a:endParaRPr lang="en-US" sz="1200" b="1" dirty="0" smtClean="0">
+              <a:solidFill>
+                <a:srgbClr val="C00000"/>
+              </a:solidFill>
+            </a:endParaRPr>
+          </a:p>
+          <a:p>
+            <a:pPr marL="0" lvl="1" indent="0" algn="just"/>
+            <a:r>
+              <a:rPr lang="en-US" sz="1200" dirty="0" smtClean="0"/>
+              <a:t>The role of the </a:t>
+            </a:r>
+            <a:r>
+              <a:rPr lang="en-US" sz="1200" dirty="0" smtClean="0"/>
+              <a:t>Authentication Service </a:t>
+            </a:r>
+            <a:r>
+              <a:rPr lang="en-US" sz="1200" dirty="0" smtClean="0"/>
+              <a:t>is to provide a uniform grid interface for authenticating to existing credential providers</a:t>
+            </a:r>
+            <a:r>
+              <a:rPr lang="en-US" sz="1200" dirty="0" smtClean="0"/>
+              <a:t>.  The Authentication Service serves </a:t>
+            </a:r>
+            <a:r>
+              <a:rPr lang="en-US" sz="1200" dirty="0" smtClean="0"/>
+              <a:t>as a Integration point between local identity management and Grid identify federation. </a:t>
+            </a:r>
+            <a:r>
+              <a:rPr lang="en-US" sz="1200" dirty="0" smtClean="0"/>
+              <a:t> The Authentication Service provides </a:t>
+            </a:r>
+            <a:r>
+              <a:rPr lang="en-US" sz="1200" dirty="0" smtClean="0"/>
+              <a:t>a framework for issuing SAML assertions for existing credential providers such that they may easily integrated with Dorian and other grid credential providers. </a:t>
+            </a:r>
+            <a:endParaRPr lang="en-US" sz="1200" dirty="0" smtClean="0"/>
+          </a:p>
+          <a:p>
+            <a:pPr marL="0" lvl="1" indent="0" algn="just"/>
+            <a:endParaRPr lang="en-US" sz="1200" dirty="0" smtClean="0"/>
+          </a:p>
+          <a:p>
+            <a:pPr marL="0" lvl="1" indent="0" algn="ctr"/>
+            <a:r>
+              <a:rPr lang="en-US" sz="1400" b="1" dirty="0" smtClean="0">
+                <a:solidFill>
+                  <a:srgbClr val="C00000"/>
+                </a:solidFill>
+              </a:rPr>
+              <a:t>Common Security Module (CSM)</a:t>
+            </a:r>
+          </a:p>
+          <a:p>
+            <a:pPr marL="0" lvl="1" indent="0" algn="ctr"/>
+            <a:endParaRPr lang="en-US" sz="1400" b="1" dirty="0" smtClean="0">
+              <a:solidFill>
+                <a:srgbClr val="C00000"/>
+              </a:solidFill>
+            </a:endParaRPr>
+          </a:p>
+          <a:p>
+            <a:pPr marL="0" lvl="1" indent="0" algn="just"/>
+            <a:r>
+              <a:rPr lang="en-US" sz="1200" dirty="0" smtClean="0"/>
+              <a:t>The Common Security Module (CSM) provides </a:t>
+            </a:r>
+            <a:r>
+              <a:rPr lang="en-US" sz="1200" dirty="0" smtClean="0"/>
+              <a:t>a </a:t>
+            </a:r>
+            <a:r>
+              <a:rPr lang="en-US" sz="1200" dirty="0" smtClean="0"/>
+              <a:t>centralized </a:t>
+            </a:r>
+            <a:r>
+              <a:rPr lang="en-US" sz="1200" dirty="0" smtClean="0"/>
+              <a:t>approach to managing and enforcing access control </a:t>
+            </a:r>
+            <a:r>
+              <a:rPr lang="en-US" sz="1200" dirty="0" smtClean="0"/>
+              <a:t>policy.  CSM can be leveraged by grid services to authorize clients attempting to access their resources.   CSM has been integrated with Grid Grouper such that access control policy managed by CSM may be based on groups managed by Grid Grouper.</a:t>
+            </a:r>
+            <a:endParaRPr lang="en-US" sz="1200" dirty="0" smtClean="0">
+              <a:solidFill>
+                <a:srgbClr val="070709"/>
+              </a:solidFill>
+            </a:endParaRPr>
+          </a:p>
+          <a:p>
+            <a:pPr marL="0" lvl="1" indent="0" algn="ctr"/>
+            <a:r>
+              <a:rPr lang="en-US" sz="1400" b="1" dirty="0" smtClean="0">
+                <a:solidFill>
+                  <a:srgbClr val="C00000"/>
+                </a:solidFill>
+              </a:rPr>
+              <a:t>Graphical UI</a:t>
+            </a:r>
+          </a:p>
+          <a:p>
+            <a:pPr marL="0" lvl="1" indent="0" algn="ctr"/>
+            <a:endParaRPr lang="en-US" sz="1400" b="1" dirty="0" smtClean="0">
+              <a:solidFill>
+                <a:srgbClr val="C00000"/>
+              </a:solidFill>
+            </a:endParaRPr>
+          </a:p>
+          <a:p>
+            <a:pPr marL="0" lvl="1" algn="just"/>
+            <a:r>
+              <a:rPr lang="en-US" sz="1200" dirty="0" smtClean="0">
                 <a:solidFill>
                   <a:srgbClr val="000000"/>
                 </a:solidFill>
-                <a:latin typeface="Calibri" pitchFamily="34" charset="0"/>
-              </a:rPr>
-              <a:t>Globus</a:t>
-            </a:r>
-            <a:r>
-              <a:rPr lang="en-US" sz="1000" dirty="0" smtClean="0">
+              </a:rPr>
+              <a:t>GAARDS provides a fully functional graphical user interface for using and administrating GAARDS services</a:t>
+            </a:r>
+            <a:r>
+              <a:rPr lang="en-US" sz="1200" dirty="0" smtClean="0">
                 <a:solidFill>
                   <a:srgbClr val="000000"/>
                 </a:solidFill>
-                <a:latin typeface="Calibri" pitchFamily="34" charset="0"/>
-              </a:rPr>
-              <a:t> Toolkit and extends </a:t>
-            </a:r>
-            <a:r>
-              <a:rPr lang="en-US" sz="1000" dirty="0" smtClean="0">
-                <a:solidFill>
-                  <a:srgbClr val="000000"/>
-                </a:solidFill>
-                <a:latin typeface="Calibri" pitchFamily="34" charset="0"/>
-              </a:rPr>
-              <a:t>it) </a:t>
-            </a:r>
-            <a:r>
-              <a:rPr lang="en-US" sz="1000" dirty="0" smtClean="0">
-                <a:solidFill>
-                  <a:srgbClr val="000000"/>
-                </a:solidFill>
-                <a:latin typeface="Calibri" pitchFamily="34" charset="0"/>
-              </a:rPr>
-              <a:t>to provide enterprise services and administrative tools for: 1) grid user management, 2) identity federation, 3) trust management, 4) group/VO management 5) Access Control Policy management and enforcement, and 5) Integration between existing security domains and the grid security domain.  GAARDS services can be used individually or grouped together to meet the authentication and authorization needs for Grids.  Below is a list of some of the core services provided by GAARDS: </a:t>
-            </a:r>
-            <a:endParaRPr lang="en-US" sz="1000" dirty="0">
+              </a:rPr>
+              <a:t>.</a:t>
+            </a:r>
+          </a:p>
+          <a:p>
+            <a:pPr marL="0" lvl="1" algn="just"/>
+            <a:endParaRPr lang="en-US" sz="1200" dirty="0" smtClean="0">
               <a:solidFill>
                 <a:srgbClr val="000000"/>
               </a:solidFill>
-              <a:latin typeface="Calibri" pitchFamily="34" charset="0"/>
-            </a:endParaRPr>
-          </a:p>
-        </p:txBody>
-      </p:sp>
-      <p:sp>
-        <p:nvSpPr>
-          <p:cNvPr id="5" name="TextBox 4"/>
-          <p:cNvSpPr txBox="1"/>
-          <p:nvPr/>
-        </p:nvSpPr>
-        <p:spPr>
-          <a:xfrm>
-            <a:off x="3276600" y="76200"/>
-            <a:ext cx="4495800" cy="800219"/>
-          </a:xfrm>
-          <a:prstGeom prst="rect">
-            <a:avLst/>
-          </a:prstGeom>
-          <a:noFill/>
-        </p:spPr>
-        <p:txBody>
-          <a:bodyPr wrap="square" rtlCol="0">
-            <a:spAutoFit/>
-          </a:bodyPr>
-          <a:lstStyle/>
-          <a:p>
-            <a:pPr algn="r"/>
-            <a:r>
-              <a:rPr lang="en-US" sz="2800" b="1" dirty="0" smtClean="0">
-                <a:solidFill>
-                  <a:schemeClr val="bg1"/>
-                </a:solidFill>
-                <a:latin typeface="Tahoma" pitchFamily="34" charset="0"/>
-                <a:ea typeface="Tahoma" pitchFamily="34" charset="0"/>
-                <a:cs typeface="Tahoma" pitchFamily="34" charset="0"/>
-              </a:rPr>
-              <a:t>Enterprise Grid Security</a:t>
-            </a:r>
-          </a:p>
-          <a:p>
-            <a:pPr algn="r"/>
-            <a:r>
-              <a:rPr lang="en-US" b="1" dirty="0" smtClean="0">
-                <a:solidFill>
-                  <a:schemeClr val="bg1"/>
-                </a:solidFill>
-                <a:latin typeface="Tahoma" pitchFamily="34" charset="0"/>
-                <a:ea typeface="Tahoma" pitchFamily="34" charset="0"/>
-                <a:cs typeface="Tahoma" pitchFamily="34" charset="0"/>
-              </a:rPr>
-              <a:t>http://www.gaards.org</a:t>
-            </a:r>
-            <a:endParaRPr lang="en-US" b="1" dirty="0">
-              <a:solidFill>
-                <a:schemeClr val="bg1"/>
-              </a:solidFill>
-              <a:latin typeface="Tahoma" pitchFamily="34" charset="0"/>
-              <a:ea typeface="Tahoma" pitchFamily="34" charset="0"/>
-              <a:cs typeface="Tahoma" pitchFamily="34" charset="0"/>
-            </a:endParaRPr>
-          </a:p>
-        </p:txBody>
-      </p:sp>
-      <p:sp>
-        <p:nvSpPr>
-          <p:cNvPr id="6" name="TextBox 5"/>
-          <p:cNvSpPr txBox="1"/>
-          <p:nvPr/>
-        </p:nvSpPr>
-        <p:spPr>
-          <a:xfrm>
-            <a:off x="0" y="972979"/>
-            <a:ext cx="7630615" cy="246221"/>
-          </a:xfrm>
-          <a:prstGeom prst="rect">
-            <a:avLst/>
-          </a:prstGeom>
-          <a:noFill/>
-        </p:spPr>
-        <p:txBody>
-          <a:bodyPr wrap="square" rtlCol="0">
-            <a:spAutoFit/>
-          </a:bodyPr>
-          <a:lstStyle/>
-          <a:p>
-            <a:r>
-              <a:rPr lang="en-US" sz="1000" b="1" dirty="0" smtClean="0">
+            </a:endParaRPr>
+          </a:p>
+          <a:p>
+            <a:pPr marL="0" lvl="1" algn="just"/>
+            <a:endParaRPr lang="en-US" sz="1200" dirty="0" smtClean="0">
+              <a:solidFill>
+                <a:srgbClr val="000000"/>
+              </a:solidFill>
+            </a:endParaRPr>
+          </a:p>
+          <a:p>
+            <a:pPr marL="0" lvl="1" algn="just"/>
+            <a:endParaRPr lang="en-US" sz="1200" dirty="0" smtClean="0">
+              <a:solidFill>
+                <a:srgbClr val="000000"/>
+              </a:solidFill>
+            </a:endParaRPr>
+          </a:p>
+          <a:p>
+            <a:pPr marL="0" lvl="1" algn="just"/>
+            <a:endParaRPr lang="en-US" sz="1200" dirty="0" smtClean="0">
+              <a:solidFill>
+                <a:srgbClr val="000000"/>
+              </a:solidFill>
+            </a:endParaRPr>
+          </a:p>
+          <a:p>
+            <a:pPr marL="0" lvl="1" algn="just"/>
+            <a:endParaRPr lang="en-US" sz="1200" dirty="0" smtClean="0">
+              <a:solidFill>
+                <a:srgbClr val="000000"/>
+              </a:solidFill>
+            </a:endParaRPr>
+          </a:p>
+          <a:p>
+            <a:pPr marL="0" lvl="1" algn="just"/>
+            <a:endParaRPr lang="en-US" sz="1200" dirty="0" smtClean="0">
+              <a:solidFill>
+                <a:srgbClr val="000000"/>
+              </a:solidFill>
+            </a:endParaRPr>
+          </a:p>
+          <a:p>
+            <a:pPr marL="0" lvl="1" algn="just"/>
+            <a:endParaRPr lang="en-US" sz="1200" dirty="0" smtClean="0">
+              <a:solidFill>
+                <a:srgbClr val="000000"/>
+              </a:solidFill>
+            </a:endParaRPr>
+          </a:p>
+          <a:p>
+            <a:pPr marL="0" lvl="1" algn="just"/>
+            <a:endParaRPr lang="en-US" sz="1200" dirty="0" smtClean="0">
+              <a:solidFill>
+                <a:srgbClr val="000000"/>
+              </a:solidFill>
+            </a:endParaRPr>
+          </a:p>
+          <a:p>
+            <a:pPr marL="0" lvl="1" algn="just"/>
+            <a:endParaRPr lang="en-US" sz="1200" dirty="0" smtClean="0">
+              <a:solidFill>
+                <a:srgbClr val="000000"/>
+              </a:solidFill>
+            </a:endParaRPr>
+          </a:p>
+          <a:p>
+            <a:pPr marL="0" lvl="1" algn="just"/>
+            <a:endParaRPr lang="en-US" sz="1200" dirty="0" smtClean="0">
+              <a:solidFill>
+                <a:srgbClr val="000000"/>
+              </a:solidFill>
+            </a:endParaRPr>
+          </a:p>
+          <a:p>
+            <a:pPr marL="0" lvl="1" algn="just"/>
+            <a:endParaRPr lang="en-US" sz="1200" dirty="0" smtClean="0">
+              <a:solidFill>
+                <a:srgbClr val="000000"/>
+              </a:solidFill>
+            </a:endParaRPr>
+          </a:p>
+          <a:p>
+            <a:pPr marL="0" lvl="1" algn="just"/>
+            <a:endParaRPr lang="en-US" sz="1200" dirty="0" smtClean="0">
+              <a:solidFill>
+                <a:srgbClr val="000000"/>
+              </a:solidFill>
+            </a:endParaRPr>
+          </a:p>
+          <a:p>
+            <a:pPr marL="0" lvl="1" algn="just"/>
+            <a:endParaRPr lang="en-US" sz="1200" dirty="0" smtClean="0">
+              <a:solidFill>
+                <a:srgbClr val="000000"/>
+              </a:solidFill>
+            </a:endParaRPr>
+          </a:p>
+          <a:p>
+            <a:pPr marL="0" lvl="1" algn="just"/>
+            <a:endParaRPr lang="en-US" sz="1200" dirty="0" smtClean="0">
+              <a:solidFill>
+                <a:srgbClr val="000000"/>
+              </a:solidFill>
+            </a:endParaRPr>
+          </a:p>
+          <a:p>
+            <a:pPr marL="0" lvl="1" algn="just"/>
+            <a:endParaRPr lang="en-US" sz="1200" dirty="0" smtClean="0">
+              <a:solidFill>
+                <a:srgbClr val="000000"/>
+              </a:solidFill>
+            </a:endParaRPr>
+          </a:p>
+          <a:p>
+            <a:pPr marL="0" lvl="1" algn="ctr"/>
+            <a:r>
+              <a:rPr lang="en-US" sz="1400" b="1" dirty="0" smtClean="0">
                 <a:solidFill>
                   <a:srgbClr val="C00000"/>
                 </a:solidFill>
-                <a:latin typeface="Tahoma" pitchFamily="34" charset="0"/>
-              </a:rPr>
-              <a:t>Stephen Langella, Scott Oster, Shannon Hastings, David Ervin, Joshua Phillips, </a:t>
-            </a:r>
-            <a:r>
-              <a:rPr lang="en-US" sz="1000" b="1" dirty="0" smtClean="0">
+              </a:rPr>
+              <a:t>Future Work</a:t>
+            </a:r>
+          </a:p>
+          <a:p>
+            <a:pPr marL="0" lvl="1" algn="ctr"/>
+            <a:endParaRPr lang="en-US" sz="1400" b="1" dirty="0" smtClean="0">
+              <a:solidFill>
+                <a:srgbClr val="C00000"/>
+              </a:solidFill>
+            </a:endParaRPr>
+          </a:p>
+          <a:p>
+            <a:pPr marL="0" lvl="1" algn="just"/>
+            <a:r>
+              <a:rPr lang="en-US" sz="1200" dirty="0" smtClean="0"/>
+              <a:t>In the future GAARDS will provide a Credential Delegation Service, enabling clients and services to remotely access delegated credentials. </a:t>
+            </a:r>
+            <a:r>
+              <a:rPr lang="en-US" sz="1200" dirty="0" smtClean="0"/>
+              <a:t>  GAARDS will also provide a </a:t>
+            </a:r>
+            <a:r>
+              <a:rPr lang="en-US" sz="1200" dirty="0" err="1" smtClean="0"/>
+              <a:t>WebSSO</a:t>
+            </a:r>
+            <a:r>
+              <a:rPr lang="en-US" sz="1200" dirty="0" smtClean="0"/>
+              <a:t> framework allowing web applications to be </a:t>
+            </a:r>
+            <a:r>
+              <a:rPr lang="en-US" sz="1200" smtClean="0"/>
+              <a:t>integrated with </a:t>
+            </a:r>
+            <a:r>
+              <a:rPr lang="en-US" sz="1200" dirty="0" smtClean="0"/>
+              <a:t>the Grid.</a:t>
+            </a:r>
+            <a:endParaRPr lang="en-US" sz="1200" b="1" dirty="0" smtClean="0">
+              <a:solidFill>
+                <a:srgbClr val="C00000"/>
+              </a:solidFill>
+            </a:endParaRPr>
+          </a:p>
+          <a:p>
+            <a:pPr marL="0" lvl="1" algn="ctr"/>
+            <a:r>
+              <a:rPr lang="en-US" sz="1400" b="1" dirty="0" smtClean="0">
                 <a:solidFill>
                   <a:srgbClr val="C00000"/>
                 </a:solidFill>
-                <a:latin typeface="Tahoma" pitchFamily="34" charset="0"/>
-              </a:rPr>
-              <a:t>Justin Permar, </a:t>
-            </a:r>
-            <a:r>
-              <a:rPr lang="en-US" sz="1000" b="1" dirty="0" smtClean="0">
-                <a:solidFill>
-                  <a:srgbClr val="C00000"/>
-                </a:solidFill>
-                <a:latin typeface="Tahoma" pitchFamily="34" charset="0"/>
-              </a:rPr>
-              <a:t>Tahsin Kurc, Joel Saltz</a:t>
-            </a:r>
-            <a:r>
-              <a:rPr lang="en-US" sz="1000" b="1" dirty="0" smtClean="0">
-                <a:solidFill>
-                  <a:srgbClr val="C00000"/>
-                </a:solidFill>
-                <a:latin typeface="Tahoma" pitchFamily="34" charset="0"/>
-              </a:rPr>
-              <a:t>.</a:t>
-            </a:r>
-            <a:endParaRPr lang="en-US" sz="1000" b="1" dirty="0" smtClean="0">
-              <a:solidFill>
-                <a:srgbClr val="C00000"/>
-              </a:solidFill>
-              <a:latin typeface="Tahoma" pitchFamily="34" charset="0"/>
-            </a:endParaRPr>
+              </a:rPr>
+              <a:t>Question of Comments?</a:t>
+            </a:r>
+          </a:p>
+          <a:p>
+            <a:pPr marL="0" lvl="1" algn="ctr"/>
+            <a:r>
+              <a:rPr lang="en-US" sz="1200" b="1" dirty="0" smtClean="0"/>
+              <a:t>Please send mail to Stephen Langella: langella@bmi.osu.edu </a:t>
+            </a:r>
           </a:p>
         </p:txBody>
       </p:sp>
       <p:pic>
         <p:nvPicPr>
-          <p:cNvPr id="7" name="Picture 6" descr="gaards.jpg"/>
+          <p:cNvPr id="13" name="Picture 12" descr="gridgrouper.jpg"/>
           <p:cNvPicPr>
             <a:picLocks noChangeAspect="1"/>
           </p:cNvPicPr>
           <p:nvPr/>
         </p:nvPicPr>
         <p:blipFill>
-          <a:blip r:embed="rId4"/>
+          <a:blip r:embed="rId4" cstate="print"/>
           <a:stretch>
             <a:fillRect/>
           </a:stretch>
         </p:blipFill>
         <p:spPr>
           <a:xfrm>
-            <a:off x="4038600" y="2057400"/>
-            <a:ext cx="3658505" cy="2590800"/>
+            <a:off x="304800" y="5867400"/>
+            <a:ext cx="3048000" cy="2519487"/>
           </a:xfrm>
           <a:prstGeom prst="rect">
             <a:avLst/>
           </a:prstGeom>
         </p:spPr>
       </p:pic>
-      <p:sp>
-        <p:nvSpPr>
-          <p:cNvPr id="8" name="TextBox 7"/>
-          <p:cNvSpPr txBox="1"/>
-          <p:nvPr/>
-        </p:nvSpPr>
-        <p:spPr>
-          <a:xfrm>
-            <a:off x="0" y="1981200"/>
-            <a:ext cx="4191000" cy="2862322"/>
-          </a:xfrm>
-          <a:prstGeom prst="rect">
-            <a:avLst/>
-          </a:prstGeom>
-          <a:noFill/>
-        </p:spPr>
-        <p:txBody>
-          <a:bodyPr wrap="square" rtlCol="0">
-            <a:spAutoFit/>
-          </a:bodyPr>
-          <a:lstStyle/>
-          <a:p>
-            <a:pPr defTabSz="3657600"/>
-            <a:r>
-              <a:rPr lang="en-US" sz="1000" b="1" dirty="0" smtClean="0">
-                <a:solidFill>
-                  <a:srgbClr val="C00000"/>
-                </a:solidFill>
-              </a:rPr>
-              <a:t>Dorian</a:t>
-            </a:r>
-            <a:r>
-              <a:rPr lang="en-US" sz="1000" b="1" dirty="0" smtClean="0">
-                <a:solidFill>
-                  <a:srgbClr val="101533"/>
-                </a:solidFill>
-              </a:rPr>
-              <a:t> –</a:t>
-            </a:r>
-            <a:r>
-              <a:rPr lang="en-US" sz="1000" dirty="0" smtClean="0">
-                <a:solidFill>
-                  <a:srgbClr val="000000"/>
-                </a:solidFill>
-              </a:rPr>
-              <a:t> A grid service for the provisioning and management of grid users accounts.  Dorian provides an integration point between external security domains and the grid, allowing accounts managed in external domains to be federated and managed in the grid.   Dorian allows users to use their existing credentials (external to the grid) to authenticate to the grid.  </a:t>
-            </a:r>
-          </a:p>
-          <a:p>
-            <a:pPr defTabSz="3657600"/>
-            <a:endParaRPr lang="en-US" sz="1000" dirty="0" smtClean="0">
-              <a:solidFill>
-                <a:srgbClr val="000000"/>
-              </a:solidFill>
-            </a:endParaRPr>
-          </a:p>
-          <a:p>
-            <a:pPr defTabSz="3657600"/>
-            <a:r>
-              <a:rPr lang="en-US" sz="1000" b="1" dirty="0" smtClean="0">
-                <a:solidFill>
-                  <a:srgbClr val="C00000"/>
-                </a:solidFill>
-              </a:rPr>
-              <a:t>Grid Trust Service (GTS) </a:t>
-            </a:r>
-            <a:r>
-              <a:rPr lang="en-US" sz="1000" b="1" dirty="0" smtClean="0">
-                <a:solidFill>
-                  <a:srgbClr val="101533"/>
-                </a:solidFill>
-              </a:rPr>
-              <a:t>-</a:t>
-            </a:r>
-            <a:r>
-              <a:rPr lang="en-US" sz="1000" dirty="0" smtClean="0">
-                <a:solidFill>
-                  <a:srgbClr val="000000"/>
-                </a:solidFill>
-              </a:rPr>
-              <a:t>  </a:t>
-            </a:r>
-            <a:r>
-              <a:rPr lang="en-US" sz="1000" dirty="0" smtClean="0"/>
-              <a:t>The Grid Trust Service (GTS) is a grid-wide mechanism for maintaining and provisioning a federated trust fabric consisting of trusted certificate authorities, such that grid services may make authentication decisions against the most up to date information.</a:t>
-            </a:r>
-          </a:p>
-          <a:p>
-            <a:pPr defTabSz="3657600"/>
-            <a:endParaRPr lang="en-US" sz="1000" dirty="0" smtClean="0"/>
-          </a:p>
-          <a:p>
-            <a:pPr defTabSz="3657600"/>
-            <a:r>
-              <a:rPr lang="en-US" sz="1000" b="1" dirty="0" smtClean="0">
-                <a:solidFill>
-                  <a:srgbClr val="C00000"/>
-                </a:solidFill>
-              </a:rPr>
-              <a:t>Grid Grouper</a:t>
-            </a:r>
-            <a:r>
-              <a:rPr lang="en-US" sz="1000" dirty="0" smtClean="0">
-                <a:solidFill>
-                  <a:srgbClr val="C00000"/>
-                </a:solidFill>
-              </a:rPr>
-              <a:t> </a:t>
-            </a:r>
-            <a:r>
-              <a:rPr lang="en-US" sz="1000" dirty="0" smtClean="0">
-                <a:solidFill>
-                  <a:srgbClr val="101533"/>
-                </a:solidFill>
-              </a:rPr>
-              <a:t>-</a:t>
-            </a:r>
-            <a:r>
-              <a:rPr lang="en-US" sz="1000" dirty="0" smtClean="0"/>
-              <a:t> Provides a group-based authorization solution for the Grid, wherein grid services and applications enforce authorization policy based on membership to groups defined and managed at the grid level. </a:t>
-            </a:r>
-          </a:p>
-          <a:p>
-            <a:pPr defTabSz="3657600"/>
-            <a:endParaRPr lang="en-US" sz="1000" dirty="0" smtClean="0"/>
-          </a:p>
-          <a:p>
-            <a:pPr defTabSz="3657600"/>
-            <a:r>
-              <a:rPr lang="en-US" sz="1000" b="1" dirty="0" smtClean="0">
-                <a:solidFill>
-                  <a:srgbClr val="C00000"/>
-                </a:solidFill>
-              </a:rPr>
-              <a:t>Authentication Service </a:t>
-            </a:r>
-            <a:r>
-              <a:rPr lang="en-US" sz="1000" b="1" dirty="0" smtClean="0">
-                <a:solidFill>
-                  <a:srgbClr val="101533"/>
-                </a:solidFill>
-              </a:rPr>
-              <a:t>–</a:t>
-            </a:r>
-            <a:r>
-              <a:rPr lang="en-US" sz="1000" dirty="0" smtClean="0"/>
-              <a:t> Integrates existing </a:t>
-            </a:r>
-            <a:r>
-              <a:rPr lang="en-US" sz="1000" dirty="0" smtClean="0"/>
-              <a:t>credential providers into the grid under a standardized grid service interface, providing applications with a unified approach to communicate with credential providers</a:t>
-            </a:r>
-            <a:r>
-              <a:rPr lang="en-US" sz="1000" dirty="0" smtClean="0"/>
-              <a:t>.</a:t>
-            </a:r>
-            <a:endParaRPr lang="en-US" sz="1000" dirty="0" smtClean="0"/>
-          </a:p>
-        </p:txBody>
-      </p:sp>
       <p:pic>
         <p:nvPicPr>
-          <p:cNvPr id="9" name="Picture 2"/>
-          <p:cNvPicPr>
-            <a:picLocks noChangeAspect="1" noChangeArrowheads="1"/>
-          </p:cNvPicPr>
-          <p:nvPr/>
-        </p:nvPicPr>
-        <p:blipFill>
-          <a:blip r:embed="rId5" cstate="print"/>
-          <a:srcRect/>
-          <a:stretch>
-            <a:fillRect/>
-          </a:stretch>
-        </p:blipFill>
-        <p:spPr bwMode="auto">
-          <a:xfrm>
-            <a:off x="0" y="9574213"/>
-            <a:ext cx="7772400" cy="484187"/>
-          </a:xfrm>
-          <a:prstGeom prst="rect">
-            <a:avLst/>
-          </a:prstGeom>
-          <a:noFill/>
-          <a:ln w="9525">
-            <a:noFill/>
-            <a:miter lim="800000"/>
-            <a:headEnd/>
-            <a:tailEnd/>
-          </a:ln>
-          <a:effectLst/>
-        </p:spPr>
-      </p:pic>
-      <p:sp>
-        <p:nvSpPr>
-          <p:cNvPr id="11" name="TextBox 10"/>
-          <p:cNvSpPr txBox="1"/>
-          <p:nvPr/>
-        </p:nvSpPr>
-        <p:spPr>
-          <a:xfrm>
-            <a:off x="0" y="4800600"/>
-            <a:ext cx="2667000" cy="4893647"/>
-          </a:xfrm>
-          <a:prstGeom prst="rect">
-            <a:avLst/>
-          </a:prstGeom>
-          <a:noFill/>
-        </p:spPr>
-        <p:txBody>
-          <a:bodyPr wrap="square" numCol="1" rtlCol="0">
-            <a:spAutoFit/>
-          </a:bodyPr>
-          <a:lstStyle/>
-          <a:p>
-            <a:pPr algn="ctr"/>
-            <a:r>
-              <a:rPr lang="en-US" sz="1200" b="1" dirty="0" smtClean="0">
-                <a:solidFill>
-                  <a:srgbClr val="C00000"/>
-                </a:solidFill>
-              </a:rPr>
-              <a:t>Dorian</a:t>
-            </a:r>
-          </a:p>
-          <a:p>
-            <a:pPr algn="just"/>
-            <a:endParaRPr lang="en-US" sz="1000" dirty="0" smtClean="0"/>
-          </a:p>
-          <a:p>
-            <a:pPr algn="just"/>
-            <a:r>
-              <a:rPr lang="en-US" sz="1000" dirty="0" smtClean="0"/>
-              <a:t>Dorian </a:t>
-            </a:r>
-            <a:r>
-              <a:rPr lang="en-US" sz="1000" dirty="0" smtClean="0"/>
-              <a:t>is a grid service for the provisioning and management of grid users’ accounts.  Dorian provides an integration point between external security domains and the grid, allowing accounts managed in external domains to be federated and managed in the grid</a:t>
-            </a:r>
-            <a:r>
-              <a:rPr lang="en-US" sz="1000" dirty="0" smtClean="0"/>
-              <a:t>.</a:t>
-            </a:r>
-          </a:p>
-          <a:p>
-            <a:pPr algn="just"/>
-            <a:endParaRPr lang="en-US" sz="1000" dirty="0" smtClean="0"/>
-          </a:p>
-          <a:p>
-            <a:pPr algn="just"/>
-            <a:endParaRPr lang="en-US" sz="1000" dirty="0" smtClean="0"/>
-          </a:p>
-          <a:p>
-            <a:pPr algn="just"/>
-            <a:endParaRPr lang="en-US" sz="1000" dirty="0" smtClean="0"/>
-          </a:p>
-          <a:p>
-            <a:pPr algn="just"/>
-            <a:endParaRPr lang="en-US" sz="1000" dirty="0" smtClean="0"/>
-          </a:p>
-          <a:p>
-            <a:pPr algn="just"/>
-            <a:endParaRPr lang="en-US" sz="1000" dirty="0" smtClean="0"/>
-          </a:p>
-          <a:p>
-            <a:pPr marL="228600" indent="-228600" algn="just" defTabSz="3657600"/>
-            <a:endParaRPr lang="en-US" sz="1000" b="1" dirty="0" smtClean="0">
-              <a:solidFill>
-                <a:srgbClr val="C00000"/>
-              </a:solidFill>
-            </a:endParaRPr>
-          </a:p>
-          <a:p>
-            <a:pPr marL="228600" indent="-228600" algn="just" defTabSz="3657600"/>
-            <a:endParaRPr lang="en-US" sz="1000" b="1" dirty="0" smtClean="0">
-              <a:solidFill>
-                <a:srgbClr val="C00000"/>
-              </a:solidFill>
-            </a:endParaRPr>
-          </a:p>
-          <a:p>
-            <a:pPr marL="228600" indent="-228600" algn="just" defTabSz="3657600"/>
-            <a:endParaRPr lang="en-US" sz="1000" b="1" dirty="0" smtClean="0">
-              <a:solidFill>
-                <a:srgbClr val="C00000"/>
-              </a:solidFill>
-            </a:endParaRPr>
-          </a:p>
-          <a:p>
-            <a:pPr marL="228600" indent="-228600" algn="just" defTabSz="3657600"/>
-            <a:endParaRPr lang="en-US" sz="1000" b="1" dirty="0" smtClean="0">
-              <a:solidFill>
-                <a:srgbClr val="C00000"/>
-              </a:solidFill>
-            </a:endParaRPr>
-          </a:p>
-          <a:p>
-            <a:pPr marL="228600" indent="-228600" algn="just" defTabSz="3657600"/>
-            <a:endParaRPr lang="en-US" sz="1000" b="1" dirty="0" smtClean="0">
-              <a:solidFill>
-                <a:srgbClr val="C00000"/>
-              </a:solidFill>
-            </a:endParaRPr>
-          </a:p>
-          <a:p>
-            <a:pPr marL="228600" indent="-228600" algn="just" defTabSz="3657600"/>
-            <a:endParaRPr lang="en-US" sz="1000" b="1" dirty="0" smtClean="0">
-              <a:solidFill>
-                <a:srgbClr val="C00000"/>
-              </a:solidFill>
-            </a:endParaRPr>
-          </a:p>
-          <a:p>
-            <a:pPr marL="228600" indent="-228600" algn="just" defTabSz="3657600"/>
-            <a:endParaRPr lang="en-US" sz="1000" b="1" dirty="0" smtClean="0">
-              <a:solidFill>
-                <a:srgbClr val="C00000"/>
-              </a:solidFill>
-            </a:endParaRPr>
-          </a:p>
-          <a:p>
-            <a:pPr marL="228600" indent="-228600" algn="just" defTabSz="3657600"/>
-            <a:r>
-              <a:rPr lang="en-US" sz="1000" b="1" dirty="0" smtClean="0">
-                <a:solidFill>
-                  <a:srgbClr val="C00000"/>
-                </a:solidFill>
-              </a:rPr>
-              <a:t>Dorian Features</a:t>
-            </a:r>
-          </a:p>
-          <a:p>
-            <a:pPr marL="228600" indent="-228600" algn="just" defTabSz="3657600"/>
-            <a:endParaRPr lang="en-US" sz="1000" dirty="0" smtClean="0">
-              <a:solidFill>
-                <a:srgbClr val="C00000"/>
-              </a:solidFill>
-            </a:endParaRPr>
-          </a:p>
-          <a:p>
-            <a:pPr marL="228600" indent="-228600" algn="just" defTabSz="3657600">
-              <a:buClr>
-                <a:srgbClr val="C00000"/>
-              </a:buClr>
-              <a:buFontTx/>
-              <a:buChar char="•"/>
-            </a:pPr>
-            <a:r>
-              <a:rPr lang="en-US" sz="1000" dirty="0" smtClean="0">
-                <a:solidFill>
-                  <a:srgbClr val="070709"/>
-                </a:solidFill>
-              </a:rPr>
-              <a:t>Integration point between external security domains and the grid security </a:t>
-            </a:r>
-            <a:r>
-              <a:rPr lang="en-US" sz="1000" dirty="0" smtClean="0">
-                <a:solidFill>
-                  <a:srgbClr val="070709"/>
-                </a:solidFill>
-              </a:rPr>
-              <a:t>domain.</a:t>
-            </a:r>
-          </a:p>
-          <a:p>
-            <a:pPr marL="228600" indent="-228600" algn="just" defTabSz="3657600">
-              <a:buClr>
-                <a:srgbClr val="C00000"/>
-              </a:buClr>
-              <a:buFontTx/>
-              <a:buChar char="•"/>
-            </a:pPr>
-            <a:r>
-              <a:rPr lang="en-US" sz="1000" dirty="0" smtClean="0">
-                <a:solidFill>
-                  <a:srgbClr val="070709"/>
-                </a:solidFill>
-              </a:rPr>
-              <a:t>Existing </a:t>
-            </a:r>
-            <a:r>
-              <a:rPr lang="en-US" sz="1000" dirty="0" smtClean="0">
-                <a:solidFill>
-                  <a:srgbClr val="070709"/>
-                </a:solidFill>
-              </a:rPr>
-              <a:t>user credentials can be used to access grid </a:t>
-            </a:r>
-            <a:r>
-              <a:rPr lang="en-US" sz="1000" dirty="0" smtClean="0">
-                <a:solidFill>
-                  <a:srgbClr val="070709"/>
-                </a:solidFill>
-              </a:rPr>
-              <a:t>resources.</a:t>
-            </a:r>
-          </a:p>
-          <a:p>
-            <a:pPr marL="228600" indent="-228600" algn="just" defTabSz="3657600">
-              <a:buClr>
-                <a:srgbClr val="C00000"/>
-              </a:buClr>
-              <a:buFontTx/>
-              <a:buChar char="•"/>
-            </a:pPr>
-            <a:r>
-              <a:rPr lang="en-US" sz="1000" dirty="0" smtClean="0">
-                <a:solidFill>
-                  <a:srgbClr val="070709"/>
-                </a:solidFill>
-              </a:rPr>
-              <a:t>Manages </a:t>
-            </a:r>
-            <a:r>
-              <a:rPr lang="en-US" sz="1000" dirty="0" smtClean="0">
-                <a:solidFill>
-                  <a:srgbClr val="070709"/>
-                </a:solidFill>
-              </a:rPr>
-              <a:t>grid credentials for each </a:t>
-            </a:r>
-            <a:r>
-              <a:rPr lang="en-US" sz="1000" dirty="0" smtClean="0">
-                <a:solidFill>
-                  <a:srgbClr val="070709"/>
-                </a:solidFill>
-              </a:rPr>
-              <a:t>user.</a:t>
-            </a:r>
-            <a:endParaRPr lang="en-US" sz="1000" dirty="0" smtClean="0">
-              <a:solidFill>
-                <a:srgbClr val="070709"/>
-              </a:solidFill>
-            </a:endParaRPr>
-          </a:p>
-          <a:p>
-            <a:pPr marL="228600" indent="-228600" algn="just" defTabSz="3657600">
-              <a:buClr>
-                <a:srgbClr val="C00000"/>
-              </a:buClr>
-              <a:buFontTx/>
-              <a:buChar char="•"/>
-            </a:pPr>
-            <a:r>
-              <a:rPr lang="en-US" sz="1000" dirty="0" smtClean="0">
-                <a:solidFill>
-                  <a:srgbClr val="070709"/>
-                </a:solidFill>
-              </a:rPr>
-              <a:t>Local </a:t>
-            </a:r>
-            <a:r>
-              <a:rPr lang="en-US" sz="1000" dirty="0" smtClean="0">
-                <a:solidFill>
-                  <a:srgbClr val="070709"/>
-                </a:solidFill>
-              </a:rPr>
-              <a:t>account creation and </a:t>
-            </a:r>
-            <a:r>
-              <a:rPr lang="en-US" sz="1000" dirty="0" smtClean="0">
-                <a:solidFill>
-                  <a:srgbClr val="070709"/>
-                </a:solidFill>
-              </a:rPr>
-              <a:t>management.</a:t>
-            </a:r>
-            <a:endParaRPr lang="en-US" sz="1000" dirty="0" smtClean="0">
-              <a:solidFill>
-                <a:srgbClr val="070709"/>
-              </a:solidFill>
-            </a:endParaRPr>
-          </a:p>
-          <a:p>
-            <a:pPr marL="228600" indent="-228600" algn="just" defTabSz="3657600">
-              <a:buClr>
-                <a:srgbClr val="C00000"/>
-              </a:buClr>
-              <a:buFontTx/>
-              <a:buChar char="•"/>
-            </a:pPr>
-            <a:r>
-              <a:rPr lang="en-US" sz="1000" dirty="0" smtClean="0"/>
-              <a:t>Issues  and Manages Service Credentials</a:t>
-            </a:r>
-            <a:endParaRPr lang="en-US" sz="1000" dirty="0" smtClean="0">
-              <a:solidFill>
-                <a:srgbClr val="070709"/>
-              </a:solidFill>
-            </a:endParaRPr>
-          </a:p>
-          <a:p>
-            <a:pPr marL="228600" indent="-228600" algn="just" defTabSz="3657600">
-              <a:buClr>
-                <a:srgbClr val="C00000"/>
-              </a:buClr>
-              <a:buFontTx/>
-              <a:buChar char="•"/>
-            </a:pPr>
-            <a:r>
-              <a:rPr lang="en-US" sz="1000" dirty="0" smtClean="0">
-                <a:solidFill>
-                  <a:srgbClr val="070709"/>
-                </a:solidFill>
-              </a:rPr>
-              <a:t>Graphical Administration UI</a:t>
-            </a:r>
-            <a:endParaRPr lang="en-US" sz="1000" dirty="0" smtClean="0">
-              <a:solidFill>
-                <a:srgbClr val="070709"/>
-              </a:solidFill>
-            </a:endParaRPr>
-          </a:p>
-          <a:p>
-            <a:pPr marL="228600" indent="-228600" defTabSz="3657600"/>
-            <a:endParaRPr lang="en-US" sz="1000" dirty="0" smtClean="0">
-              <a:solidFill>
-                <a:srgbClr val="070709"/>
-              </a:solidFill>
-            </a:endParaRPr>
-          </a:p>
-        </p:txBody>
-      </p:sp>
-      <p:pic>
-        <p:nvPicPr>
-          <p:cNvPr id="12" name="Picture 11" descr="dorian.jpg"/>
+          <p:cNvPr id="14" name="Picture 13" descr="gaardsui.jpg"/>
           <p:cNvPicPr>
             <a:picLocks noChangeAspect="1"/>
           </p:cNvPicPr>
           <p:nvPr/>
         </p:nvPicPr>
         <p:blipFill>
-          <a:blip r:embed="rId6" cstate="print"/>
+          <a:blip r:embed="rId5" cstate="print"/>
           <a:stretch>
             <a:fillRect/>
           </a:stretch>
         </p:blipFill>
         <p:spPr>
           <a:xfrm>
-            <a:off x="152400" y="6172200"/>
-            <a:ext cx="2346960" cy="1593388"/>
+            <a:off x="4198630" y="4724400"/>
+            <a:ext cx="3345170" cy="2514600"/>
           </a:xfrm>
           <a:prstGeom prst="rect">
             <a:avLst/>
           </a:prstGeom>
         </p:spPr>
       </p:pic>
-      <p:sp>
-        <p:nvSpPr>
-          <p:cNvPr id="16" name="TextBox 15"/>
-          <p:cNvSpPr txBox="1"/>
-          <p:nvPr/>
-        </p:nvSpPr>
-        <p:spPr>
-          <a:xfrm>
-            <a:off x="2590800" y="4800600"/>
-            <a:ext cx="2667000" cy="4739759"/>
-          </a:xfrm>
-          <a:prstGeom prst="rect">
-            <a:avLst/>
-          </a:prstGeom>
-          <a:noFill/>
-        </p:spPr>
-        <p:txBody>
-          <a:bodyPr wrap="square" numCol="1" rtlCol="0">
-            <a:spAutoFit/>
-          </a:bodyPr>
-          <a:lstStyle/>
-          <a:p>
-            <a:pPr algn="ctr"/>
-            <a:r>
-              <a:rPr lang="en-US" sz="1200" b="1" dirty="0" smtClean="0">
-                <a:solidFill>
-                  <a:srgbClr val="C00000"/>
-                </a:solidFill>
-              </a:rPr>
-              <a:t>Grid Trust Service</a:t>
-            </a:r>
-          </a:p>
-          <a:p>
-            <a:pPr algn="just"/>
-            <a:endParaRPr lang="en-US" sz="1000" dirty="0" smtClean="0"/>
-          </a:p>
-          <a:p>
-            <a:pPr algn="just"/>
-            <a:r>
-              <a:rPr lang="en-US" sz="1000" dirty="0" smtClean="0"/>
-              <a:t>In </a:t>
-            </a:r>
-            <a:r>
-              <a:rPr lang="en-US" sz="1000" dirty="0" smtClean="0"/>
-              <a:t>order to authenticate and authorize users and other services, grid services need to maintain a list of certificate authorities that they trust as a source for issuing credentials. In a grid environment provisioning trusted certificate authorities and certificate revocation lists to both clients and servers in the grid is a complicated task.   The Grid Trust Service (GTS) is a federated grid infrastructure enabling the provisioning and management of a grid trust fabric. </a:t>
-            </a:r>
-            <a:endParaRPr lang="en-US" sz="1000" dirty="0" smtClean="0"/>
-          </a:p>
-          <a:p>
-            <a:pPr algn="just"/>
-            <a:endParaRPr lang="en-US" sz="1000" dirty="0" smtClean="0"/>
-          </a:p>
-          <a:p>
-            <a:pPr algn="just"/>
-            <a:r>
-              <a:rPr lang="en-US" sz="1000" b="1" dirty="0" smtClean="0">
-                <a:solidFill>
-                  <a:srgbClr val="C00000"/>
-                </a:solidFill>
-              </a:rPr>
-              <a:t>GTS Features</a:t>
-            </a:r>
-            <a:r>
-              <a:rPr lang="en-US" sz="1000" dirty="0" smtClean="0">
-                <a:solidFill>
-                  <a:srgbClr val="C00000"/>
-                </a:solidFill>
-              </a:rPr>
-              <a:t> </a:t>
-            </a:r>
-            <a:endParaRPr lang="en-US" sz="1000" dirty="0" smtClean="0">
-              <a:solidFill>
-                <a:srgbClr val="C00000"/>
-              </a:solidFill>
-            </a:endParaRPr>
-          </a:p>
-          <a:p>
-            <a:pPr algn="just"/>
-            <a:endParaRPr lang="en-US" sz="1000" dirty="0" smtClean="0">
-              <a:solidFill>
-                <a:srgbClr val="C00000"/>
-              </a:solidFill>
-            </a:endParaRPr>
-          </a:p>
-          <a:p>
-            <a:pPr marL="228600" indent="-228600" algn="just" defTabSz="3657600">
-              <a:buClr>
-                <a:srgbClr val="C00000"/>
-              </a:buClr>
-              <a:buFontTx/>
-              <a:buChar char="•"/>
-            </a:pPr>
-            <a:r>
-              <a:rPr lang="en-US" sz="1000" dirty="0" smtClean="0"/>
-              <a:t>Grid-enabled federated solution for registering, managing, and distributing certificate authority certificates and CRLs, facilitating the enforcement of trust agreements against the latest trusted roots. </a:t>
-            </a:r>
-          </a:p>
-          <a:p>
-            <a:pPr marL="228600" indent="-228600" algn="just" defTabSz="3657600">
-              <a:buClr>
-                <a:srgbClr val="C00000"/>
-              </a:buClr>
-              <a:buFontTx/>
-              <a:buChar char="•"/>
-            </a:pPr>
-            <a:r>
-              <a:rPr lang="en-US" sz="1000" dirty="0" smtClean="0"/>
-              <a:t>Allows </a:t>
-            </a:r>
-            <a:r>
-              <a:rPr lang="en-US" sz="1000" dirty="0" smtClean="0"/>
-              <a:t>the definition and management of trust levels, such that CAs may be grouped and discovered by the level of trust that is acceptable to the consumer. </a:t>
-            </a:r>
-            <a:endParaRPr lang="en-US" sz="1000" dirty="0" smtClean="0"/>
-          </a:p>
-          <a:p>
-            <a:pPr marL="228600" indent="-228600" algn="just" defTabSz="3657600">
-              <a:buClr>
-                <a:srgbClr val="C00000"/>
-              </a:buClr>
-              <a:buFontTx/>
-              <a:buChar char="•"/>
-            </a:pPr>
-            <a:r>
-              <a:rPr lang="en-US" sz="1000" dirty="0" smtClean="0"/>
-              <a:t>Facilitates </a:t>
-            </a:r>
-            <a:r>
-              <a:rPr lang="en-US" sz="1000" dirty="0" smtClean="0"/>
-              <a:t>the </a:t>
-            </a:r>
-            <a:r>
-              <a:rPr lang="en-US" sz="1000" dirty="0" err="1" smtClean="0"/>
-              <a:t>curation</a:t>
-            </a:r>
-            <a:r>
-              <a:rPr lang="en-US" sz="1000" dirty="0" smtClean="0"/>
-              <a:t> of numerous independent trust overlays across the same physical </a:t>
-            </a:r>
-            <a:r>
-              <a:rPr lang="en-US" sz="1000" dirty="0" smtClean="0"/>
-              <a:t>Grid.</a:t>
-            </a:r>
-          </a:p>
-          <a:p>
-            <a:pPr marL="228600" indent="-228600" algn="just" defTabSz="3657600">
-              <a:buClr>
-                <a:srgbClr val="C00000"/>
-              </a:buClr>
-              <a:buFontTx/>
-              <a:buChar char="•"/>
-            </a:pPr>
-            <a:r>
-              <a:rPr lang="en-US" sz="1000" dirty="0" smtClean="0"/>
-              <a:t>Graphical </a:t>
-            </a:r>
-            <a:r>
-              <a:rPr lang="en-US" sz="1000" dirty="0" smtClean="0"/>
-              <a:t>UI for trust fabric administration.</a:t>
-            </a:r>
-            <a:endParaRPr lang="en-US" sz="1000" dirty="0"/>
-          </a:p>
-        </p:txBody>
-      </p:sp>
-      <p:sp>
-        <p:nvSpPr>
-          <p:cNvPr id="17" name="TextBox 16"/>
-          <p:cNvSpPr txBox="1"/>
-          <p:nvPr/>
-        </p:nvSpPr>
-        <p:spPr>
-          <a:xfrm>
-            <a:off x="5181600" y="4800601"/>
-            <a:ext cx="2590800" cy="4278094"/>
-          </a:xfrm>
-          <a:prstGeom prst="rect">
-            <a:avLst/>
-          </a:prstGeom>
-          <a:noFill/>
-        </p:spPr>
-        <p:txBody>
-          <a:bodyPr wrap="square" numCol="1" rtlCol="0">
-            <a:spAutoFit/>
-          </a:bodyPr>
-          <a:lstStyle/>
-          <a:p>
-            <a:pPr algn="ctr"/>
-            <a:r>
-              <a:rPr lang="en-US" sz="1200" b="1" dirty="0" smtClean="0">
-                <a:solidFill>
-                  <a:srgbClr val="C00000"/>
-                </a:solidFill>
-              </a:rPr>
-              <a:t>Grid Grouper</a:t>
-            </a:r>
-          </a:p>
-          <a:p>
-            <a:pPr algn="just"/>
-            <a:endParaRPr lang="en-US" sz="1000" dirty="0" smtClean="0"/>
-          </a:p>
-          <a:p>
-            <a:pPr algn="just"/>
-            <a:r>
-              <a:rPr lang="en-US" sz="1000" dirty="0" smtClean="0"/>
-              <a:t>Grid </a:t>
-            </a:r>
-            <a:r>
-              <a:rPr lang="en-US" sz="1000" dirty="0" smtClean="0"/>
-              <a:t>Grouper provides a group-based authorization solution for the Grid, wherein grid services and applications enforce authorization policy based on membership to groups defined and managed at the grid level.    </a:t>
-            </a:r>
-          </a:p>
-          <a:p>
-            <a:pPr algn="just"/>
-            <a:r>
-              <a:rPr lang="en-US" sz="1000" b="1" dirty="0" smtClean="0"/>
-              <a:t> </a:t>
-            </a:r>
-            <a:endParaRPr lang="en-US" sz="1000" dirty="0" smtClean="0"/>
-          </a:p>
-          <a:p>
-            <a:pPr algn="just"/>
-            <a:r>
-              <a:rPr lang="en-US" sz="1000" b="1" dirty="0" smtClean="0"/>
-              <a:t> </a:t>
-            </a:r>
-            <a:endParaRPr lang="en-US" sz="1000" dirty="0" smtClean="0"/>
-          </a:p>
-          <a:p>
-            <a:pPr algn="just"/>
-            <a:r>
-              <a:rPr lang="en-US" sz="1000" b="1" dirty="0" smtClean="0"/>
-              <a:t> </a:t>
-            </a:r>
-            <a:endParaRPr lang="en-US" sz="1000" dirty="0" smtClean="0"/>
-          </a:p>
-          <a:p>
-            <a:pPr algn="just"/>
-            <a:r>
-              <a:rPr lang="en-US" sz="1000" b="1" dirty="0" smtClean="0"/>
-              <a:t> </a:t>
-            </a:r>
-            <a:endParaRPr lang="en-US" sz="1000" dirty="0" smtClean="0"/>
-          </a:p>
-          <a:p>
-            <a:pPr algn="just"/>
-            <a:r>
-              <a:rPr lang="en-US" sz="1000" b="1" dirty="0" smtClean="0"/>
-              <a:t> </a:t>
-            </a:r>
-            <a:endParaRPr lang="en-US" sz="1000" dirty="0" smtClean="0"/>
-          </a:p>
-          <a:p>
-            <a:pPr algn="just"/>
-            <a:r>
-              <a:rPr lang="en-US" sz="1000" b="1" dirty="0" smtClean="0"/>
-              <a:t> </a:t>
-            </a:r>
-            <a:endParaRPr lang="en-US" sz="1000" dirty="0" smtClean="0"/>
-          </a:p>
-          <a:p>
-            <a:pPr algn="just"/>
-            <a:r>
-              <a:rPr lang="en-US" sz="1000" b="1" dirty="0" smtClean="0"/>
-              <a:t> </a:t>
-            </a:r>
-            <a:endParaRPr lang="en-US" sz="1000" dirty="0" smtClean="0"/>
-          </a:p>
-          <a:p>
-            <a:pPr algn="just"/>
-            <a:r>
-              <a:rPr lang="en-US" sz="1000" b="1" dirty="0" smtClean="0"/>
-              <a:t> </a:t>
-            </a:r>
-            <a:endParaRPr lang="en-US" sz="1000" dirty="0" smtClean="0"/>
-          </a:p>
-          <a:p>
-            <a:pPr algn="just"/>
-            <a:r>
-              <a:rPr lang="en-US" sz="1000" b="1" dirty="0" smtClean="0"/>
-              <a:t> </a:t>
-            </a:r>
-            <a:endParaRPr lang="en-US" sz="1000" dirty="0" smtClean="0"/>
-          </a:p>
-          <a:p>
-            <a:pPr algn="just"/>
-            <a:endParaRPr lang="en-US" sz="1000" b="1" dirty="0" smtClean="0">
-              <a:solidFill>
-                <a:srgbClr val="C00000"/>
-              </a:solidFill>
-            </a:endParaRPr>
-          </a:p>
-          <a:p>
-            <a:pPr algn="just"/>
-            <a:endParaRPr lang="en-US" sz="1000" b="1" dirty="0" smtClean="0">
-              <a:solidFill>
-                <a:srgbClr val="C00000"/>
-              </a:solidFill>
-            </a:endParaRPr>
-          </a:p>
-          <a:p>
-            <a:pPr algn="just"/>
-            <a:endParaRPr lang="en-US" sz="1000" b="1" dirty="0" smtClean="0">
-              <a:solidFill>
-                <a:srgbClr val="C00000"/>
-              </a:solidFill>
-            </a:endParaRPr>
-          </a:p>
-          <a:p>
-            <a:pPr algn="just"/>
-            <a:endParaRPr lang="en-US" sz="1000" b="1" dirty="0" smtClean="0">
-              <a:solidFill>
-                <a:srgbClr val="C00000"/>
-              </a:solidFill>
-            </a:endParaRPr>
-          </a:p>
-          <a:p>
-            <a:pPr algn="just"/>
-            <a:r>
-              <a:rPr lang="en-US" sz="1000" b="1" dirty="0" smtClean="0">
-                <a:solidFill>
-                  <a:srgbClr val="C00000"/>
-                </a:solidFill>
-              </a:rPr>
-              <a:t>Grid </a:t>
-            </a:r>
-            <a:r>
-              <a:rPr lang="en-US" sz="1000" b="1" dirty="0" smtClean="0">
-                <a:solidFill>
-                  <a:srgbClr val="C00000"/>
-                </a:solidFill>
-              </a:rPr>
-              <a:t>Grouper </a:t>
-            </a:r>
-            <a:r>
-              <a:rPr lang="en-US" sz="1000" b="1" dirty="0" smtClean="0">
-                <a:solidFill>
-                  <a:srgbClr val="C00000"/>
-                </a:solidFill>
-              </a:rPr>
-              <a:t>Features</a:t>
-            </a:r>
-            <a:endParaRPr lang="en-US" sz="1000" b="1" dirty="0" smtClean="0">
-              <a:solidFill>
-                <a:srgbClr val="C00000"/>
-              </a:solidFill>
-            </a:endParaRPr>
-          </a:p>
-          <a:p>
-            <a:pPr marL="228600" indent="-228600" algn="just" defTabSz="3657600">
-              <a:buClr>
-                <a:srgbClr val="C00000"/>
-              </a:buClr>
-              <a:buFontTx/>
-              <a:buChar char="•"/>
-            </a:pPr>
-            <a:r>
-              <a:rPr lang="en-US" sz="1000" dirty="0" smtClean="0"/>
-              <a:t>Service </a:t>
-            </a:r>
-            <a:r>
-              <a:rPr lang="en-US" sz="1000" dirty="0" smtClean="0"/>
-              <a:t>for managing/accessing </a:t>
-            </a:r>
-            <a:r>
-              <a:rPr lang="en-US" sz="1000" dirty="0" smtClean="0"/>
-              <a:t>groups.</a:t>
-            </a:r>
-          </a:p>
-          <a:p>
-            <a:pPr marL="228600" indent="-228600" algn="just" defTabSz="3657600">
-              <a:buClr>
-                <a:srgbClr val="C00000"/>
-              </a:buClr>
-              <a:buFontTx/>
-              <a:buChar char="•"/>
-            </a:pPr>
-            <a:r>
-              <a:rPr lang="en-US" sz="1000" dirty="0" smtClean="0"/>
-              <a:t>Basic </a:t>
-            </a:r>
-            <a:r>
-              <a:rPr lang="en-US" sz="1000" dirty="0" smtClean="0"/>
-              <a:t>Group </a:t>
-            </a:r>
-            <a:r>
-              <a:rPr lang="en-US" sz="1000" dirty="0" smtClean="0"/>
-              <a:t>Management.</a:t>
-            </a:r>
-          </a:p>
-          <a:p>
-            <a:pPr marL="228600" indent="-228600" algn="just" defTabSz="3657600">
-              <a:buClr>
-                <a:srgbClr val="C00000"/>
-              </a:buClr>
-              <a:buFontTx/>
-              <a:buChar char="•"/>
-            </a:pPr>
-            <a:r>
-              <a:rPr lang="en-US" sz="1000" dirty="0" smtClean="0"/>
-              <a:t>Support </a:t>
-            </a:r>
-            <a:r>
-              <a:rPr lang="en-US" sz="1000" dirty="0" smtClean="0"/>
-              <a:t>for </a:t>
-            </a:r>
-            <a:r>
-              <a:rPr lang="en-US" sz="1000" dirty="0" smtClean="0"/>
-              <a:t>subgroups.</a:t>
-            </a:r>
-          </a:p>
-          <a:p>
-            <a:pPr marL="228600" indent="-228600" algn="just" defTabSz="3657600">
-              <a:buClr>
-                <a:srgbClr val="C00000"/>
-              </a:buClr>
-              <a:buFontTx/>
-              <a:buChar char="•"/>
-            </a:pPr>
-            <a:r>
-              <a:rPr lang="en-US" sz="1000" dirty="0" smtClean="0"/>
-              <a:t>Support </a:t>
-            </a:r>
-            <a:r>
-              <a:rPr lang="en-US" sz="1000" dirty="0" smtClean="0"/>
-              <a:t>for composite groups (set logic</a:t>
-            </a:r>
-            <a:r>
-              <a:rPr lang="en-US" sz="1000" dirty="0" smtClean="0"/>
-              <a:t>).</a:t>
-            </a:r>
-          </a:p>
-          <a:p>
-            <a:pPr marL="228600" indent="-228600" algn="just" defTabSz="3657600">
-              <a:buClr>
-                <a:srgbClr val="C00000"/>
-              </a:buClr>
-              <a:buFontTx/>
-              <a:buChar char="•"/>
-            </a:pPr>
-            <a:r>
-              <a:rPr lang="en-US" sz="1000" dirty="0" smtClean="0"/>
-              <a:t>Facilitates </a:t>
-            </a:r>
-            <a:r>
-              <a:rPr lang="en-US" sz="1000" dirty="0" smtClean="0"/>
-              <a:t>group-base </a:t>
-            </a:r>
-            <a:r>
-              <a:rPr lang="en-US" sz="1000" dirty="0" smtClean="0"/>
-              <a:t>authorization</a:t>
-            </a:r>
-          </a:p>
-          <a:p>
-            <a:pPr marL="228600" indent="-228600" algn="just" defTabSz="3657600">
-              <a:buClr>
-                <a:srgbClr val="C00000"/>
-              </a:buClr>
-              <a:buFontTx/>
-              <a:buChar char="•"/>
-            </a:pPr>
-            <a:r>
-              <a:rPr lang="en-US" sz="1000" dirty="0" smtClean="0"/>
-              <a:t>UI </a:t>
-            </a:r>
-            <a:r>
-              <a:rPr lang="en-US" sz="1000" dirty="0" smtClean="0"/>
-              <a:t>for administering Grid Grouper</a:t>
-            </a:r>
-            <a:r>
-              <a:rPr lang="en-US" sz="1000" dirty="0" smtClean="0"/>
-              <a:t>.</a:t>
-            </a:r>
-            <a:endParaRPr lang="en-US" sz="1000" dirty="0" smtClean="0"/>
-          </a:p>
-        </p:txBody>
-      </p:sp>
-      <p:graphicFrame>
-        <p:nvGraphicFramePr>
-          <p:cNvPr id="1028" name="Object 56"/>
-          <p:cNvGraphicFramePr>
-            <a:graphicFrameLocks noChangeAspect="1"/>
-          </p:cNvGraphicFramePr>
-          <p:nvPr/>
-        </p:nvGraphicFramePr>
-        <p:xfrm>
-          <a:off x="5409901" y="6019800"/>
-          <a:ext cx="2210099" cy="1828800"/>
-        </p:xfrm>
-        <a:graphic>
-          <a:graphicData uri="http://schemas.openxmlformats.org/presentationml/2006/ole">
-            <p:oleObj spid="_x0000_s1028" name="Visio" r:id="rId7" imgW="5804535" imgH="4798695" progId="Visio.Drawing.11">
-              <p:embed/>
-            </p:oleObj>
-          </a:graphicData>
-        </a:graphic>
-      </p:graphicFrame>
-      <p:sp>
-        <p:nvSpPr>
-          <p:cNvPr id="21" name="TextBox 20"/>
-          <p:cNvSpPr txBox="1"/>
-          <p:nvPr/>
-        </p:nvSpPr>
-        <p:spPr>
-          <a:xfrm>
-            <a:off x="5181600" y="9067800"/>
-            <a:ext cx="2514600" cy="430887"/>
-          </a:xfrm>
-          <a:prstGeom prst="rect">
-            <a:avLst/>
-          </a:prstGeom>
-          <a:noFill/>
-        </p:spPr>
-        <p:txBody>
-          <a:bodyPr wrap="square" rtlCol="0">
-            <a:spAutoFit/>
-          </a:bodyPr>
-          <a:lstStyle/>
-          <a:p>
-            <a:pPr algn="ctr"/>
-            <a:r>
-              <a:rPr lang="en-US" sz="1200" b="1" dirty="0" smtClean="0">
-                <a:solidFill>
-                  <a:srgbClr val="C00000"/>
-                </a:solidFill>
-              </a:rPr>
-              <a:t>Send questions and comments to:</a:t>
-            </a:r>
-          </a:p>
-          <a:p>
-            <a:pPr algn="ctr"/>
-            <a:r>
-              <a:rPr lang="en-US" sz="1000" b="1" dirty="0" smtClean="0"/>
-              <a:t>Stephen Langella, langella@bmi.osu.edu</a:t>
-            </a:r>
-            <a:endParaRPr lang="en-US" sz="1200" b="1" dirty="0" smtClean="0">
-              <a:solidFill>
-                <a:srgbClr val="C00000"/>
-              </a:solidFill>
-            </a:endParaRPr>
-          </a:p>
-        </p:txBody>
-      </p:sp>
     </p:spTree>
   </p:cSld>
   <p:clrMapOvr>

--- a/presentations/security/gaards-handout-sc2007.pptx
+++ b/presentations/security/gaards-handout-sc2007.pptx
@@ -3181,25 +3181,7 @@
                 </a:solidFill>
                 <a:latin typeface="Calibri" pitchFamily="34" charset="0"/>
               </a:rPr>
-              <a:t>Stephen Langella, Scott Oster, Shannon Hastings, David Ervin, Joshua </a:t>
-            </a:r>
-            <a:r>
-              <a:rPr lang="en-US" sz="1200" b="1" dirty="0" smtClean="0">
-                <a:solidFill>
-                  <a:srgbClr val="C00000"/>
-                </a:solidFill>
-                <a:latin typeface="Calibri" pitchFamily="34" charset="0"/>
-              </a:rPr>
-              <a:t>Phillips, Justin Permar, Tahsin </a:t>
-            </a:r>
-            <a:r>
-              <a:rPr lang="en-US" sz="1200" b="1" dirty="0" smtClean="0">
-                <a:solidFill>
-                  <a:srgbClr val="C00000"/>
-                </a:solidFill>
-                <a:latin typeface="Calibri" pitchFamily="34" charset="0"/>
-              </a:rPr>
-              <a:t>Kurc, Joel Saltz.</a:t>
+              <a:t>Stephen Langella, Scott Oster, Shannon Hastings, David Ervin, Joshua Phillips, Justin Permar, Tahsin Kurc, Joel Saltz.</a:t>
             </a:r>
           </a:p>
         </p:txBody>
@@ -3220,7 +3202,7 @@
         </p:blipFill>
         <p:spPr>
           <a:xfrm>
-            <a:off x="1" y="4038600"/>
+            <a:off x="0" y="4267200"/>
             <a:ext cx="3810000" cy="2698082"/>
           </a:xfrm>
           <a:prstGeom prst="rect">
@@ -3269,8 +3251,8 @@
         </p:nvSpPr>
         <p:spPr>
           <a:xfrm>
-            <a:off x="0" y="1447801"/>
-            <a:ext cx="7772400" cy="8077200"/>
+            <a:off x="0" y="1295401"/>
+            <a:ext cx="7772400" cy="8309967"/>
           </a:xfrm>
           <a:prstGeom prst="rect">
             <a:avLst/>
@@ -3306,12 +3288,45 @@
                   <a:srgbClr val="000000"/>
                 </a:solidFill>
               </a:rPr>
-              <a:t> Toolkit and extends it to provide enterprise services and administrative tools for: 1) grid user management, 2) identity federation, 3) trust management, 4) group/VO management 5) Access Control Policy management and enforcement, and 5) Integration between existing security domains and the grid security domain.  GAARDS services can be used individually or grouped together to meet the authentication and authorization needs for Grids. </a:t>
+              <a:t> Toolkit and extends it to provide enterprise services and administrative tools for: 1) grid user management, 2) identity federation, 3) trust management, 4) group/VO management 5) Access Control Policy management and enforcement, and </a:t>
+            </a:r>
+            <a:r>
+              <a:rPr lang="en-US" sz="1200" dirty="0" smtClean="0">
+                <a:solidFill>
+                  <a:srgbClr val="000000"/>
+                </a:solidFill>
+              </a:rPr>
+              <a:t>6) </a:t>
+            </a:r>
+            <a:r>
+              <a:rPr lang="en-US" sz="1200" dirty="0" smtClean="0">
+                <a:solidFill>
+                  <a:srgbClr val="000000"/>
+                </a:solidFill>
+              </a:rPr>
+              <a:t>Integration between existing security domains and the grid security domain.  GAARDS services can be used individually or grouped together to meet the authentication and authorization needs for Grids. </a:t>
             </a:r>
             <a:r>
               <a:rPr lang="en-US" sz="1200" dirty="0" smtClean="0"/>
-              <a:t>GAARDS comprises three principal components: Dorian, Grid Trust Service, and Grid Grouper.</a:t>
-            </a:r>
+              <a:t>GAARDS comprises </a:t>
+            </a:r>
+            <a:r>
+              <a:rPr lang="en-US" sz="1200" dirty="0" smtClean="0"/>
+              <a:t>several</a:t>
+            </a:r>
+            <a:r>
+              <a:rPr lang="en-US" sz="1200" dirty="0" smtClean="0"/>
+              <a:t> </a:t>
+            </a:r>
+            <a:r>
+              <a:rPr lang="en-US" sz="1200" dirty="0" smtClean="0"/>
+              <a:t>principal components: Dorian, Grid Trust Service, </a:t>
+            </a:r>
+            <a:r>
+              <a:rPr lang="en-US" sz="1200" dirty="0" smtClean="0"/>
+              <a:t>Grid Grouper, Authentication Service, Common Security Module, and the GAARDS graphical user interface.</a:t>
+            </a:r>
+            <a:endParaRPr lang="en-US" sz="1200" dirty="0" smtClean="0"/>
           </a:p>
           <a:p>
             <a:pPr algn="ctr"/>
@@ -3444,39 +3459,7 @@
             <a:pPr algn="just"/>
             <a:r>
               <a:rPr lang="en-US" sz="1200" dirty="0" smtClean="0"/>
-              <a:t>Identity </a:t>
-            </a:r>
-            <a:r>
-              <a:rPr lang="en-US" sz="1200" dirty="0" smtClean="0"/>
-              <a:t>management and federation is becoming an ever-present problem in large multi-institutional Grid environments. One underlying problem is to enable participating institutions to manage the identities of their own members by leveraging existing institutional identity management systems, while at the same time facilitating  the participation in larger Grids </a:t>
-            </a:r>
-            <a:r>
-              <a:rPr lang="en-US" sz="1200" dirty="0" smtClean="0"/>
-              <a:t>through </a:t>
-            </a:r>
-            <a:r>
-              <a:rPr lang="en-US" sz="1200" dirty="0" smtClean="0"/>
-              <a:t>the deployment of </a:t>
-            </a:r>
-            <a:r>
-              <a:rPr lang="en-US" sz="1200" dirty="0" smtClean="0"/>
-              <a:t>Grid-wide </a:t>
-            </a:r>
-            <a:r>
-              <a:rPr lang="en-US" sz="1200" dirty="0" smtClean="0"/>
-              <a:t>user credentials. </a:t>
-            </a:r>
-            <a:r>
-              <a:rPr lang="en-US" sz="1200" dirty="0" smtClean="0"/>
-              <a:t>  Dorian </a:t>
-            </a:r>
-            <a:r>
-              <a:rPr lang="en-US" sz="1200" dirty="0" smtClean="0"/>
-              <a:t>is a Grid service for the provisioning and management of Grid user accounts. Dorian provides an integration point between external security domains and the </a:t>
-            </a:r>
-            <a:r>
-              <a:rPr lang="en-US" sz="1200" dirty="0" smtClean="0"/>
-              <a:t>Grid. </a:t>
+              <a:t>Identity management and federation is becoming an ever-present problem in large multi-institutional Grid environments. One underlying problem is to enable participating institutions to manage the identities of their own members by leveraging existing institutional identity management systems, while at the same time facilitating  the participation in larger Grids through the deployment of Grid-wide user credentials.   Dorian is a Grid service for the provisioning and management of Grid user accounts. Dorian provides an integration point between external security domains and the Grid. </a:t>
             </a:r>
           </a:p>
           <a:p>
@@ -3532,8 +3515,17 @@
             <a:endParaRPr lang="en-US" sz="1200" dirty="0" smtClean="0"/>
           </a:p>
           <a:p>
-            <a:pPr algn="just"/>
-            <a:endParaRPr lang="en-US" sz="1200" dirty="0" smtClean="0"/>
+            <a:pPr marL="228600" indent="-228600" defTabSz="3657600">
+              <a:buClr>
+                <a:srgbClr val="C00000"/>
+              </a:buClr>
+            </a:pPr>
+            <a:endParaRPr lang="en-US" sz="1200" b="1" dirty="0" smtClean="0">
+              <a:solidFill>
+                <a:srgbClr val="C00000"/>
+              </a:solidFill>
+              <a:latin typeface="Calibri" pitchFamily="34" charset="0"/>
+            </a:endParaRPr>
           </a:p>
           <a:p>
             <a:pPr marL="228600" indent="-228600" defTabSz="3657600">
@@ -3612,7 +3604,16 @@
                 </a:solidFill>
                 <a:latin typeface="Calibri" pitchFamily="34" charset="0"/>
               </a:rPr>
-              <a:t>Built-in certificate authority.</a:t>
+              <a:t>Manages </a:t>
+            </a:r>
+            <a:r>
+              <a:rPr lang="en-US" sz="1200" dirty="0" smtClean="0">
+                <a:solidFill>
+                  <a:srgbClr val="070709"/>
+                </a:solidFill>
+                <a:latin typeface="Calibri" pitchFamily="34" charset="0"/>
+              </a:rPr>
+              <a:t>grid credentials for each user.</a:t>
             </a:r>
           </a:p>
           <a:p>
@@ -3630,7 +3631,7 @@
                 </a:solidFill>
                 <a:latin typeface="Calibri" pitchFamily="34" charset="0"/>
               </a:rPr>
-              <a:t>Manages grid credentials for each user.</a:t>
+              <a:t>Enables users to authenticate and create grid proxies, which they may use to access the grid.</a:t>
             </a:r>
           </a:p>
           <a:p>
@@ -3648,7 +3649,7 @@
                 </a:solidFill>
                 <a:latin typeface="Calibri" pitchFamily="34" charset="0"/>
               </a:rPr>
-              <a:t>Enables users to authenticate and create grid proxies, which they may use to access the grid.</a:t>
+              <a:t>Local account creation and management.</a:t>
             </a:r>
           </a:p>
           <a:p>
@@ -3666,7 +3667,7 @@
                 </a:solidFill>
                 <a:latin typeface="Calibri" pitchFamily="34" charset="0"/>
               </a:rPr>
-              <a:t>Local account creation and management.</a:t>
+              <a:t>Integration point between external security domains and the grid security domain.</a:t>
             </a:r>
           </a:p>
           <a:p>
@@ -3684,7 +3685,7 @@
                 </a:solidFill>
                 <a:latin typeface="Calibri" pitchFamily="34" charset="0"/>
               </a:rPr>
-              <a:t>Integration point between external security domains and the grid security domain.</a:t>
+              <a:t>Existing user credentials can be used to access the grid.</a:t>
             </a:r>
           </a:p>
           <a:p>
@@ -3702,7 +3703,16 @@
                 </a:solidFill>
                 <a:latin typeface="Calibri" pitchFamily="34" charset="0"/>
               </a:rPr>
-              <a:t>Existing user credentials can be used to access the grid.</a:t>
+              <a:t>Automated account creation and provisioning</a:t>
+            </a:r>
+            <a:r>
+              <a:rPr lang="en-US" sz="1200" dirty="0" smtClean="0">
+                <a:solidFill>
+                  <a:srgbClr val="070709"/>
+                </a:solidFill>
+                <a:latin typeface="Calibri" pitchFamily="34" charset="0"/>
+              </a:rPr>
+              <a:t>.</a:t>
             </a:r>
           </a:p>
           <a:p>
@@ -3720,18 +3730,9 @@
                 </a:solidFill>
                 <a:latin typeface="Calibri" pitchFamily="34" charset="0"/>
               </a:rPr>
-              <a:t>Automated account creation and provisioning</a:t>
-            </a:r>
-            <a:r>
-              <a:rPr lang="en-US" sz="1200" dirty="0" smtClean="0">
-                <a:solidFill>
-                  <a:srgbClr val="070709"/>
-                </a:solidFill>
-                <a:latin typeface="Calibri" pitchFamily="34" charset="0"/>
-              </a:rPr>
-              <a:t>.</a:t>
-            </a:r>
-            <a:endParaRPr lang="en-US" sz="1400" b="1" dirty="0" smtClean="0">
+              <a:t>Leverages Hardware Security Module (HSM) for key management.</a:t>
+            </a:r>
+            <a:endParaRPr lang="en-US" sz="1400" dirty="0" smtClean="0">
               <a:solidFill>
                 <a:srgbClr val="C00000"/>
               </a:solidFill>
@@ -3783,7 +3784,7 @@
             </a:endParaRPr>
           </a:p>
           <a:p>
-            <a:pPr indent="-228600" defTabSz="3657600">
+            <a:pPr indent="-228600" algn="just" defTabSz="3657600">
               <a:buClr>
                 <a:srgbClr val="C00000"/>
               </a:buClr>
@@ -3795,43 +3796,7 @@
                 </a:solidFill>
                 <a:latin typeface="Calibri" pitchFamily="34" charset="0"/>
               </a:rPr>
-              <a:t>In </a:t>
-            </a:r>
-            <a:r>
-              <a:rPr lang="en-US" sz="1200" dirty="0" smtClean="0">
-                <a:solidFill>
-                  <a:srgbClr val="070709"/>
-                </a:solidFill>
-                <a:latin typeface="Calibri" pitchFamily="34" charset="0"/>
-              </a:rPr>
-              <a:t>order to authenticate and authorize users and </a:t>
-            </a:r>
-            <a:r>
-              <a:rPr lang="en-US" sz="1200" dirty="0" smtClean="0">
-                <a:solidFill>
-                  <a:srgbClr val="070709"/>
-                </a:solidFill>
-                <a:latin typeface="Calibri" pitchFamily="34" charset="0"/>
-              </a:rPr>
-              <a:t>other services</a:t>
-            </a:r>
-            <a:r>
-              <a:rPr lang="en-US" sz="1200" dirty="0" smtClean="0">
-                <a:solidFill>
-                  <a:srgbClr val="070709"/>
-                </a:solidFill>
-                <a:latin typeface="Calibri" pitchFamily="34" charset="0"/>
-              </a:rPr>
-              <a:t>, Grid services must maintain a list of certificate authorities they trust as a source for issuing credentials. Provisioning trusted certificate authorities and certificate revocation lists to both clients and servers in the Grid is a complicated task. The GTS is a federated Grid infrastructure enabling the provisioning and management of a Grid trust fabric</a:t>
-            </a:r>
-            <a:r>
-              <a:rPr lang="en-US" sz="1200" dirty="0" smtClean="0">
-                <a:solidFill>
-                  <a:srgbClr val="070709"/>
-                </a:solidFill>
-                <a:latin typeface="Calibri" pitchFamily="34" charset="0"/>
-              </a:rPr>
-              <a:t>.</a:t>
+              <a:t>In order to authenticate and authorize users and other services, Grid services must maintain a list of certificate authorities they trust as a source for issuing credentials. Provisioning trusted certificate authorities and certificate revocation lists to both clients and servers in the Grid is a complicated task. The GTS is a federated Grid infrastructure enabling the provisioning and management of a Grid trust fabric.</a:t>
             </a:r>
           </a:p>
           <a:p>
@@ -4030,13 +3995,7 @@
               <a:rPr lang="en-US" sz="1200" dirty="0" smtClean="0">
                 <a:latin typeface="Calibri" pitchFamily="34" charset="0"/>
               </a:rPr>
-              <a:t>Allows </a:t>
-            </a:r>
-            <a:r>
-              <a:rPr lang="en-US" sz="1200" dirty="0" smtClean="0">
-                <a:latin typeface="Calibri" pitchFamily="34" charset="0"/>
-              </a:rPr>
-              <a:t>the definition and management of trust levels, such that CAs may be grouped and discovered by the level of trust that is acceptable to the consumer. </a:t>
+              <a:t>Allows the definition and management of trust levels, such that CAs may be grouped and discovered by the level of trust that is acceptable to the consumer. </a:t>
             </a:r>
           </a:p>
           <a:p>
@@ -4093,13 +4052,7 @@
               <a:rPr lang="en-US" sz="1200" dirty="0" smtClean="0">
                 <a:latin typeface="Calibri" pitchFamily="34" charset="0"/>
               </a:rPr>
-              <a:t>Administrative UI for administrating the trust fabric</a:t>
-            </a:r>
-            <a:r>
-              <a:rPr lang="en-US" sz="1200" dirty="0" smtClean="0">
-                <a:latin typeface="Calibri" pitchFamily="34" charset="0"/>
-              </a:rPr>
-              <a:t>.</a:t>
+              <a:t>Administrative UI for administrating the trust fabric.</a:t>
             </a:r>
           </a:p>
           <a:p>
@@ -4157,12 +4110,6 @@
               </a:rPr>
               <a:t>Grid Grouper provides a group-based authorization solution for the Grid, wherein grid services and applications enforce authorization policy based on membership to groups defined and managed at the grid level.    Grid Grouper is built on top of Grouper,  an Internet2 initiative focused on providing tools for group management.  </a:t>
             </a:r>
-            <a:endParaRPr lang="en-US" sz="1200" dirty="0" smtClean="0">
-              <a:solidFill>
-                <a:srgbClr val="000000"/>
-              </a:solidFill>
-              <a:latin typeface="Calibri" pitchFamily="34" charset="0"/>
-            </a:endParaRPr>
           </a:p>
           <a:p>
             <a:pPr algn="just" defTabSz="3657600">
@@ -4282,13 +4229,7 @@
               <a:rPr lang="en-US" sz="1200" dirty="0" smtClean="0">
                 <a:latin typeface="Calibri" pitchFamily="34" charset="0"/>
               </a:rPr>
-              <a:t>UI for administering Grid Grouper</a:t>
-            </a:r>
-            <a:r>
-              <a:rPr lang="en-US" sz="1200" dirty="0" smtClean="0">
-                <a:latin typeface="Calibri" pitchFamily="34" charset="0"/>
-              </a:rPr>
-              <a:t>.</a:t>
+              <a:t>UI for administering Grid Grouper.</a:t>
             </a:r>
           </a:p>
           <a:p>
@@ -4489,33 +4430,24 @@
             <a:pPr marL="0" lvl="1" indent="0" algn="just"/>
             <a:r>
               <a:rPr lang="en-US" sz="1200" dirty="0" smtClean="0"/>
-              <a:t>The role of the </a:t>
+              <a:t>The role of the Authentication Service is to provide a uniform grid interface for authenticating to existing credential providers.  The Authentication Service serves as a </a:t>
             </a:r>
             <a:r>
               <a:rPr lang="en-US" sz="1200" dirty="0" smtClean="0"/>
-              <a:t>Authentication Service </a:t>
+              <a:t>integration </a:t>
             </a:r>
             <a:r>
               <a:rPr lang="en-US" sz="1200" dirty="0" smtClean="0"/>
-              <a:t>is to provide a uniform grid interface for authenticating to existing credential providers</a:t>
+              <a:t>point between local </a:t>
             </a:r>
             <a:r>
               <a:rPr lang="en-US" sz="1200" dirty="0" smtClean="0"/>
-              <a:t>.  The Authentication Service serves </a:t>
+              <a:t>credential providers and the Grid.  </a:t>
             </a:r>
             <a:r>
               <a:rPr lang="en-US" sz="1200" dirty="0" smtClean="0"/>
-              <a:t>as a Integration point between local identity management and Grid identify federation. </a:t>
-            </a:r>
-            <a:r>
-              <a:rPr lang="en-US" sz="1200" dirty="0" smtClean="0"/>
-              <a:t> The Authentication Service provides </a:t>
-            </a:r>
-            <a:r>
-              <a:rPr lang="en-US" sz="1200" dirty="0" smtClean="0"/>
-              <a:t>a framework for issuing SAML assertions for existing credential providers such that they may easily integrated with Dorian and other grid credential providers. </a:t>
-            </a:r>
-            <a:endParaRPr lang="en-US" sz="1200" dirty="0" smtClean="0"/>
+              <a:t>The Authentication Service provides a framework for issuing SAML assertions for existing credential providers such that they may easily integrated with Dorian and other grid credential providers. </a:t>
+            </a:r>
           </a:p>
           <a:p>
             <a:pPr marL="0" lvl="1" indent="0" algn="just"/>
@@ -4544,23 +4476,7 @@
             <a:pPr marL="0" lvl="1" indent="0" algn="just"/>
             <a:r>
               <a:rPr lang="en-US" sz="1200" dirty="0" smtClean="0"/>
-              <a:t>The Common Security Module (CSM) provides </a:t>
-            </a:r>
-            <a:r>
-              <a:rPr lang="en-US" sz="1200" dirty="0" smtClean="0"/>
-              <a:t>a </a:t>
-            </a:r>
-            <a:r>
-              <a:rPr lang="en-US" sz="1200" dirty="0" smtClean="0"/>
-              <a:t>centralized </a:t>
-            </a:r>
-            <a:r>
-              <a:rPr lang="en-US" sz="1200" dirty="0" smtClean="0"/>
-              <a:t>approach to managing and enforcing access control </a:t>
-            </a:r>
-            <a:r>
-              <a:rPr lang="en-US" sz="1200" dirty="0" smtClean="0"/>
-              <a:t>policy.  CSM can be leveraged by grid services to authorize clients attempting to access their resources.   CSM has been integrated with Grid Grouper such that access control policy managed by CSM may be based on groups managed by Grid Grouper.</a:t>
+              <a:t>The Common Security Module (CSM) provides a centralized approach to managing and enforcing access control policy.  CSM can be leveraged by grid services to authorize clients attempting to access their resources.   CSM has been integrated with Grid Grouper such that access control policy managed by CSM may be based on groups managed by Grid Grouper.</a:t>
             </a:r>
             <a:endParaRPr lang="en-US" sz="1200" dirty="0" smtClean="0">
               <a:solidFill>
@@ -4595,15 +4511,7 @@
                   <a:srgbClr val="000000"/>
                 </a:solidFill>
               </a:rPr>
-              <a:t>GAARDS provides a fully functional graphical user interface for using and administrating GAARDS services</a:t>
-            </a:r>
-            <a:r>
-              <a:rPr lang="en-US" sz="1200" dirty="0" smtClean="0">
-                <a:solidFill>
-                  <a:srgbClr val="000000"/>
-                </a:solidFill>
-              </a:rPr>
-              <a:t>.</a:t>
+              <a:t>GAARDS provides a fully functional graphical user interface for using and administrating GAARDS services.</a:t>
             </a:r>
           </a:p>
           <a:p>
@@ -4749,11 +4657,7 @@
             <a:pPr marL="0" lvl="1" algn="just"/>
             <a:r>
               <a:rPr lang="en-US" sz="1200" dirty="0" smtClean="0"/>
-              <a:t>In the future GAARDS will provide a Credential Delegation Service, enabling clients and services to remotely access delegated credentials. </a:t>
-            </a:r>
-            <a:r>
-              <a:rPr lang="en-US" sz="1200" dirty="0" smtClean="0"/>
-              <a:t>  GAARDS will also provide a </a:t>
+              <a:t>In the future GAARDS will provide a Credential Delegation Service, enabling clients and services to remotely access delegated credentials.   GAARDS will also provide a </a:t>
             </a:r>
             <a:r>
               <a:rPr lang="en-US" sz="1200" dirty="0" err="1" smtClean="0"/>
@@ -4761,15 +4665,7 @@
             </a:r>
             <a:r>
               <a:rPr lang="en-US" sz="1200" dirty="0" smtClean="0"/>
-              <a:t> framework allowing web applications to be </a:t>
-            </a:r>
-            <a:r>
-              <a:rPr lang="en-US" sz="1200" smtClean="0"/>
-              <a:t>integrated with </a:t>
-            </a:r>
-            <a:r>
-              <a:rPr lang="en-US" sz="1200" dirty="0" smtClean="0"/>
-              <a:t>the Grid.</a:t>
+              <a:t> framework allowing web applications to be integrated with the Grid.</a:t>
             </a:r>
             <a:endParaRPr lang="en-US" sz="1200" b="1" dirty="0" smtClean="0">
               <a:solidFill>

--- a/presentations/security/gaards-handout-sc2007.pptx
+++ b/presentations/security/gaards-handout-sc2007.pptx
@@ -3288,45 +3288,12 @@
                   <a:srgbClr val="000000"/>
                 </a:solidFill>
               </a:rPr>
-              <a:t> Toolkit and extends it to provide enterprise services and administrative tools for: 1) grid user management, 2) identity federation, 3) trust management, 4) group/VO management 5) Access Control Policy management and enforcement, and </a:t>
-            </a:r>
-            <a:r>
-              <a:rPr lang="en-US" sz="1200" dirty="0" smtClean="0">
-                <a:solidFill>
-                  <a:srgbClr val="000000"/>
-                </a:solidFill>
-              </a:rPr>
-              <a:t>6) </a:t>
-            </a:r>
-            <a:r>
-              <a:rPr lang="en-US" sz="1200" dirty="0" smtClean="0">
-                <a:solidFill>
-                  <a:srgbClr val="000000"/>
-                </a:solidFill>
-              </a:rPr>
-              <a:t>Integration between existing security domains and the grid security domain.  GAARDS services can be used individually or grouped together to meet the authentication and authorization needs for Grids. </a:t>
+              <a:t> Toolkit and extends it to provide enterprise services and administrative tools for: 1) grid user management, 2) identity federation, 3) trust management, 4) group/VO management 5) Access Control Policy management and enforcement, and 6) Integration between existing security domains and the grid security domain.  GAARDS services can be used individually or grouped together to meet the authentication and authorization needs for Grids. </a:t>
             </a:r>
             <a:r>
               <a:rPr lang="en-US" sz="1200" dirty="0" smtClean="0"/>
-              <a:t>GAARDS comprises </a:t>
-            </a:r>
-            <a:r>
-              <a:rPr lang="en-US" sz="1200" dirty="0" smtClean="0"/>
-              <a:t>several</a:t>
-            </a:r>
-            <a:r>
-              <a:rPr lang="en-US" sz="1200" dirty="0" smtClean="0"/>
-              <a:t> </a:t>
-            </a:r>
-            <a:r>
-              <a:rPr lang="en-US" sz="1200" dirty="0" smtClean="0"/>
-              <a:t>principal components: Dorian, Grid Trust Service, </a:t>
-            </a:r>
-            <a:r>
-              <a:rPr lang="en-US" sz="1200" dirty="0" smtClean="0"/>
-              <a:t>Grid Grouper, Authentication Service, Common Security Module, and the GAARDS graphical user interface.</a:t>
-            </a:r>
-            <a:endParaRPr lang="en-US" sz="1200" dirty="0" smtClean="0"/>
+              <a:t>GAARDS comprises several principal components: Dorian, Grid Trust Service, Grid Grouper, Authentication Service, Common Security Module, and the GAARDS graphical user interface.</a:t>
+            </a:r>
           </a:p>
           <a:p>
             <a:pPr algn="ctr"/>
@@ -3553,16 +3520,7 @@
                 </a:solidFill>
                 <a:latin typeface="Calibri" pitchFamily="34" charset="0"/>
               </a:rPr>
-              <a:t>Dorian </a:t>
-            </a:r>
-            <a:r>
-              <a:rPr lang="en-US" sz="1200" b="1" dirty="0" smtClean="0">
-                <a:solidFill>
-                  <a:srgbClr val="C00000"/>
-                </a:solidFill>
-                <a:latin typeface="Calibri" pitchFamily="34" charset="0"/>
-              </a:rPr>
-              <a:t>Features</a:t>
+              <a:t>Dorian Features</a:t>
             </a:r>
             <a:endParaRPr lang="en-US" sz="1200" dirty="0" smtClean="0">
               <a:solidFill>
@@ -3604,16 +3562,7 @@
                 </a:solidFill>
                 <a:latin typeface="Calibri" pitchFamily="34" charset="0"/>
               </a:rPr>
-              <a:t>Manages </a:t>
-            </a:r>
-            <a:r>
-              <a:rPr lang="en-US" sz="1200" dirty="0" smtClean="0">
-                <a:solidFill>
-                  <a:srgbClr val="070709"/>
-                </a:solidFill>
-                <a:latin typeface="Calibri" pitchFamily="34" charset="0"/>
-              </a:rPr>
-              <a:t>grid credentials for each user.</a:t>
+              <a:t>Manages grid credentials for each user.</a:t>
             </a:r>
           </a:p>
           <a:p>
@@ -3703,16 +3652,7 @@
                 </a:solidFill>
                 <a:latin typeface="Calibri" pitchFamily="34" charset="0"/>
               </a:rPr>
-              <a:t>Automated account creation and provisioning</a:t>
-            </a:r>
-            <a:r>
-              <a:rPr lang="en-US" sz="1200" dirty="0" smtClean="0">
-                <a:solidFill>
-                  <a:srgbClr val="070709"/>
-                </a:solidFill>
-                <a:latin typeface="Calibri" pitchFamily="34" charset="0"/>
-              </a:rPr>
-              <a:t>.</a:t>
+              <a:t>Automated account creation and provisioning.</a:t>
             </a:r>
           </a:p>
           <a:p>
@@ -4430,23 +4370,7 @@
             <a:pPr marL="0" lvl="1" indent="0" algn="just"/>
             <a:r>
               <a:rPr lang="en-US" sz="1200" dirty="0" smtClean="0"/>
-              <a:t>The role of the Authentication Service is to provide a uniform grid interface for authenticating to existing credential providers.  The Authentication Service serves as a </a:t>
-            </a:r>
-            <a:r>
-              <a:rPr lang="en-US" sz="1200" dirty="0" smtClean="0"/>
-              <a:t>integration </a:t>
-            </a:r>
-            <a:r>
-              <a:rPr lang="en-US" sz="1200" dirty="0" smtClean="0"/>
-              <a:t>point between local </a:t>
-            </a:r>
-            <a:r>
-              <a:rPr lang="en-US" sz="1200" dirty="0" smtClean="0"/>
-              <a:t>credential providers and the Grid.  </a:t>
-            </a:r>
-            <a:r>
-              <a:rPr lang="en-US" sz="1200" dirty="0" smtClean="0"/>
-              <a:t>The Authentication Service provides a framework for issuing SAML assertions for existing credential providers such that they may easily integrated with Dorian and other grid credential providers. </a:t>
+              <a:t>The role of the Authentication Service is to provide a uniform grid interface for authenticating to existing credential providers.  The Authentication Service serves as a integration point between local credential providers and the Grid.  The Authentication Service provides a framework for issuing SAML assertions for existing credential providers such that they may easily integrated with Dorian and other grid credential providers. </a:t>
             </a:r>
           </a:p>
           <a:p>
@@ -4676,12 +4600,28 @@
           <a:p>
             <a:pPr marL="0" lvl="1" algn="ctr"/>
             <a:r>
+              <a:rPr lang="en-US" sz="1400" b="1" smtClean="0">
+                <a:solidFill>
+                  <a:srgbClr val="C00000"/>
+                </a:solidFill>
+              </a:rPr>
+              <a:t>Question </a:t>
+            </a:r>
+            <a:r>
+              <a:rPr lang="en-US" sz="1400" b="1" smtClean="0">
+                <a:solidFill>
+                  <a:srgbClr val="C00000"/>
+                </a:solidFill>
+              </a:rPr>
+              <a:t>or </a:t>
+            </a:r>
+            <a:r>
               <a:rPr lang="en-US" sz="1400" b="1" dirty="0" smtClean="0">
                 <a:solidFill>
                   <a:srgbClr val="C00000"/>
                 </a:solidFill>
               </a:rPr>
-              <a:t>Question of Comments?</a:t>
+              <a:t>Comments?</a:t>
             </a:r>
           </a:p>
           <a:p>

--- a/presentations/security/gaards-handout-sc2007.pptx
+++ b/presentations/security/gaards-handout-sc2007.pptx
@@ -3101,8 +3101,8 @@
         </p:nvSpPr>
         <p:spPr>
           <a:xfrm>
-            <a:off x="3276600" y="76200"/>
-            <a:ext cx="4495800" cy="800219"/>
+            <a:off x="3276600" y="152400"/>
+            <a:ext cx="4495800" cy="523220"/>
           </a:xfrm>
           <a:prstGeom prst="rect">
             <a:avLst/>
@@ -3125,13 +3125,10 @@
                 <a:ea typeface="Tahoma" pitchFamily="34" charset="0"/>
                 <a:cs typeface="Tahoma" pitchFamily="34" charset="0"/>
               </a:rPr>
-              <a:t>Enterprise Grid Security</a:t>
-            </a:r>
-          </a:p>
-          <a:p>
-            <a:pPr algn="r"/>
-            <a:r>
-              <a:rPr lang="en-US" b="1" dirty="0" smtClean="0">
+              <a:t>Enterprise Grid </a:t>
+            </a:r>
+            <a:r>
+              <a:rPr lang="en-US" sz="2800" b="1" dirty="0" smtClean="0">
                 <a:solidFill>
                   <a:schemeClr val="bg1"/>
                 </a:solidFill>
@@ -3139,9 +3136,9 @@
                 <a:ea typeface="Tahoma" pitchFamily="34" charset="0"/>
                 <a:cs typeface="Tahoma" pitchFamily="34" charset="0"/>
               </a:rPr>
-              <a:t>http://www.gaards.org</a:t>
-            </a:r>
-            <a:endParaRPr lang="en-US" b="1" dirty="0">
+              <a:t>Security</a:t>
+            </a:r>
+            <a:endParaRPr lang="en-US" sz="2800" b="1" dirty="0" smtClean="0">
               <a:solidFill>
                 <a:schemeClr val="bg1"/>
               </a:solidFill>
@@ -3149,40 +3146,6 @@
               <a:ea typeface="Tahoma" pitchFamily="34" charset="0"/>
               <a:cs typeface="Tahoma" pitchFamily="34" charset="0"/>
             </a:endParaRPr>
-          </a:p>
-        </p:txBody>
-      </p:sp>
-      <p:sp>
-        <p:nvSpPr>
-          <p:cNvPr id="6" name="TextBox 5"/>
-          <p:cNvSpPr txBox="1"/>
-          <p:nvPr/>
-        </p:nvSpPr>
-        <p:spPr>
-          <a:xfrm>
-            <a:off x="0" y="972979"/>
-            <a:ext cx="7630615" cy="276999"/>
-          </a:xfrm>
-          <a:prstGeom prst="rect">
-            <a:avLst/>
-          </a:prstGeom>
-          <a:noFill/>
-        </p:spPr>
-        <p:txBody>
-          <a:bodyPr wrap="square" rtlCol="0">
-            <a:spAutoFit/>
-          </a:bodyPr>
-          <a:lstStyle/>
-          <a:p>
-            <a:r>
-              <a:rPr lang="en-US" sz="1200" b="1" dirty="0" smtClean="0">
-                <a:solidFill>
-                  <a:srgbClr val="C00000"/>
-                </a:solidFill>
-                <a:latin typeface="Calibri" pitchFamily="34" charset="0"/>
-              </a:rPr>
-              <a:t>Stephen Langella, Scott Oster, Shannon Hastings, David Ervin, Joshua Phillips, Justin Permar, Tahsin Kurc, Joel Saltz.</a:t>
-            </a:r>
           </a:p>
         </p:txBody>
       </p:sp>
@@ -3811,6 +3774,87 @@
           </a:prstGeom>
         </p:spPr>
       </p:pic>
+      <p:sp>
+        <p:nvSpPr>
+          <p:cNvPr id="10" name="TextBox 9"/>
+          <p:cNvSpPr txBox="1"/>
+          <p:nvPr/>
+        </p:nvSpPr>
+        <p:spPr>
+          <a:xfrm>
+            <a:off x="5181600" y="987623"/>
+            <a:ext cx="2590800" cy="307777"/>
+          </a:xfrm>
+          <a:prstGeom prst="rect">
+            <a:avLst/>
+          </a:prstGeom>
+          <a:noFill/>
+        </p:spPr>
+        <p:txBody>
+          <a:bodyPr wrap="square" rtlCol="0">
+            <a:spAutoFit/>
+          </a:bodyPr>
+          <a:lstStyle/>
+          <a:p>
+            <a:pPr algn="r"/>
+            <a:r>
+              <a:rPr lang="en-US" sz="1400" b="1" dirty="0" smtClean="0">
+                <a:solidFill>
+                  <a:srgbClr val="C00000"/>
+                </a:solidFill>
+                <a:latin typeface="Calibri" pitchFamily="34" charset="0"/>
+              </a:rPr>
+              <a:t>http://www.cagrid.org</a:t>
+            </a:r>
+            <a:endParaRPr lang="en-US" sz="1400" b="1" dirty="0" smtClean="0">
+              <a:solidFill>
+                <a:srgbClr val="C00000"/>
+              </a:solidFill>
+              <a:latin typeface="Calibri" pitchFamily="34" charset="0"/>
+            </a:endParaRPr>
+          </a:p>
+        </p:txBody>
+      </p:sp>
+      <p:sp>
+        <p:nvSpPr>
+          <p:cNvPr id="11" name="TextBox 10"/>
+          <p:cNvSpPr txBox="1"/>
+          <p:nvPr/>
+        </p:nvSpPr>
+        <p:spPr>
+          <a:xfrm>
+            <a:off x="-76200" y="987623"/>
+            <a:ext cx="2590800" cy="307777"/>
+          </a:xfrm>
+          <a:prstGeom prst="rect">
+            <a:avLst/>
+          </a:prstGeom>
+          <a:noFill/>
+        </p:spPr>
+        <p:txBody>
+          <a:bodyPr wrap="square" rtlCol="0">
+            <a:spAutoFit/>
+          </a:bodyPr>
+          <a:lstStyle/>
+          <a:p>
+            <a:r>
+              <a:rPr lang="en-US" sz="1400" b="1" dirty="0" smtClean="0">
+                <a:solidFill>
+                  <a:srgbClr val="C00000"/>
+                </a:solidFill>
+                <a:latin typeface="Calibri" pitchFamily="34" charset="0"/>
+              </a:rPr>
+              <a:t>GAARDS Security Infrastructure</a:t>
+            </a:r>
+            <a:endParaRPr lang="en-US" sz="1400" b="1" dirty="0" smtClean="0">
+              <a:solidFill>
+                <a:srgbClr val="C00000"/>
+              </a:solidFill>
+              <a:latin typeface="Calibri" pitchFamily="34" charset="0"/>
+            </a:endParaRPr>
+          </a:p>
+        </p:txBody>
+      </p:sp>
     </p:spTree>
   </p:cSld>
   <p:clrMapOvr>
@@ -4605,15 +4649,7 @@
                   <a:srgbClr val="C00000"/>
                 </a:solidFill>
               </a:rPr>
-              <a:t>Question </a:t>
-            </a:r>
-            <a:r>
-              <a:rPr lang="en-US" sz="1400" b="1" smtClean="0">
-                <a:solidFill>
-                  <a:srgbClr val="C00000"/>
-                </a:solidFill>
-              </a:rPr>
-              <a:t>or </a:t>
+              <a:t>Question or </a:t>
             </a:r>
             <a:r>
               <a:rPr lang="en-US" sz="1400" b="1" dirty="0" smtClean="0">

--- a/presentations/security/gaards-handout-sc2007.pptx
+++ b/presentations/security/gaards-handout-sc2007.pptx
@@ -3101,7 +3101,7 @@
         </p:nvSpPr>
         <p:spPr>
           <a:xfrm>
-            <a:off x="3276600" y="152400"/>
+            <a:off x="3276600" y="228600"/>
             <a:ext cx="4495800" cy="523220"/>
           </a:xfrm>
           <a:prstGeom prst="rect">
@@ -3125,27 +3125,8 @@
                 <a:ea typeface="Tahoma" pitchFamily="34" charset="0"/>
                 <a:cs typeface="Tahoma" pitchFamily="34" charset="0"/>
               </a:rPr>
-              <a:t>Enterprise Grid </a:t>
-            </a:r>
-            <a:r>
-              <a:rPr lang="en-US" sz="2800" b="1" dirty="0" smtClean="0">
-                <a:solidFill>
-                  <a:schemeClr val="bg1"/>
-                </a:solidFill>
-                <a:latin typeface="Tahoma" pitchFamily="34" charset="0"/>
-                <a:ea typeface="Tahoma" pitchFamily="34" charset="0"/>
-                <a:cs typeface="Tahoma" pitchFamily="34" charset="0"/>
-              </a:rPr>
-              <a:t>Security</a:t>
-            </a:r>
-            <a:endParaRPr lang="en-US" sz="2800" b="1" dirty="0" smtClean="0">
-              <a:solidFill>
-                <a:schemeClr val="bg1"/>
-              </a:solidFill>
-              <a:latin typeface="Tahoma" pitchFamily="34" charset="0"/>
-              <a:ea typeface="Tahoma" pitchFamily="34" charset="0"/>
-              <a:cs typeface="Tahoma" pitchFamily="34" charset="0"/>
-            </a:endParaRPr>
+              <a:t>Enterprise Grid Security</a:t>
+            </a:r>
           </a:p>
         </p:txBody>
       </p:sp>
@@ -3806,12 +3787,6 @@
               </a:rPr>
               <a:t>http://www.cagrid.org</a:t>
             </a:r>
-            <a:endParaRPr lang="en-US" sz="1400" b="1" dirty="0" smtClean="0">
-              <a:solidFill>
-                <a:srgbClr val="C00000"/>
-              </a:solidFill>
-              <a:latin typeface="Calibri" pitchFamily="34" charset="0"/>
-            </a:endParaRPr>
           </a:p>
         </p:txBody>
       </p:sp>
@@ -3846,12 +3821,6 @@
               </a:rPr>
               <a:t>GAARDS Security Infrastructure</a:t>
             </a:r>
-            <a:endParaRPr lang="en-US" sz="1400" b="1" dirty="0" smtClean="0">
-              <a:solidFill>
-                <a:srgbClr val="C00000"/>
-              </a:solidFill>
-              <a:latin typeface="Calibri" pitchFamily="34" charset="0"/>
-            </a:endParaRPr>
           </a:p>
         </p:txBody>
       </p:sp>
